--- a/Fig/轴流管道模型.pptx
+++ b/Fig/轴流管道模型.pptx
@@ -6,7 +6,7 @@
   </p:sldMasterIdLst>
   <p:sldIdLst>
     <p:sldId id="256" r:id="rId3"/>
-    <p:sldId id="257" r:id="rId4"/>
+    <p:sldId id="258" r:id="rId4"/>
   </p:sldIdLst>
   <p:sldSz cx="2519680" cy="2159635"/>
   <p:notesSz cx="6858000" cy="9144000"/>
@@ -111,12 +111,12 @@
   <p:extLst>
     <p:ext uri="{EFAFB233-063F-42B5-8137-9DF3F51BA10A}">
       <p15:sldGuideLst xmlns:p15="http://schemas.microsoft.com/office/powerpoint/2012/main">
-        <p15:guide id="1" orient="horz" pos="612" userDrawn="1">
+        <p15:guide id="1" orient="horz" pos="599" userDrawn="1">
           <p15:clr>
             <a:srgbClr val="A4A3A4"/>
           </p15:clr>
         </p15:guide>
-        <p15:guide id="2" pos="772" userDrawn="1">
+        <p15:guide id="2" pos="791" userDrawn="1">
           <p15:clr>
             <a:srgbClr val="A4A3A4"/>
           </p15:clr>
@@ -3471,7 +3471,7 @@
       </p:sp>
       <p:graphicFrame>
         <p:nvGraphicFramePr>
-          <p:cNvPr id="-2147482607" name="对象 -2147482608"/>
+          <p:cNvPr id="2" name="对象 -2147482608"/>
           <p:cNvGraphicFramePr>
             <a:graphicFrameLocks noChangeAspect="1"/>
           </p:cNvGraphicFramePr>
@@ -4723,19 +4723,19 @@
           <p:nvPr/>
         </p:nvGraphicFramePr>
         <p:xfrm>
-          <a:off x="188595" y="273368"/>
-          <a:ext cx="165100" cy="190500"/>
+          <a:off x="201295" y="273368"/>
+          <a:ext cx="139700" cy="190500"/>
         </p:xfrm>
         <a:graphic>
           <a:graphicData uri="http://schemas.openxmlformats.org/presentationml/2006/ole">
             <mc:AlternateContent xmlns:mc="http://schemas.openxmlformats.org/markup-compatibility/2006">
               <mc:Choice xmlns:v="urn:schemas-microsoft-com:vml" Requires="v">
-                <p:oleObj spid="_x0000_s58" name="" r:id="rId12" imgW="165100" imgH="190500" progId="DSEquations">
+                <p:oleObj spid="_x0000_s58" name="" r:id="rId12" imgW="139700" imgH="190500" progId="DSEquations">
                   <p:embed/>
                 </p:oleObj>
               </mc:Choice>
               <mc:Fallback>
-                <p:oleObj name="" r:id="rId12" imgW="165100" imgH="190500" progId="DSEquations">
+                <p:oleObj name="" r:id="rId12" imgW="139700" imgH="190500" progId="DSEquations">
                   <p:embed/>
                   <p:pic>
                     <p:nvPicPr>
@@ -4751,8 +4751,8 @@
                     </p:blipFill>
                     <p:spPr>
                       <a:xfrm>
-                        <a:off x="188595" y="273368"/>
-                        <a:ext cx="165100" cy="190500"/>
+                        <a:off x="201295" y="273368"/>
+                        <a:ext cx="139700" cy="190500"/>
                       </a:xfrm>
                       <a:prstGeom prst="rect">
                         <a:avLst/>
@@ -4790,57 +4790,2437 @@
         <p:cNvGrpSpPr/>
         <p:nvPr/>
       </p:nvGrpSpPr>
-      <p:grpSpPr/>
-      <p:sp>
-        <p:nvSpPr>
-          <p:cNvPr id="2" name="标题 1"/>
-          <p:cNvSpPr>
-            <a:spLocks noGrp="1"/>
-          </p:cNvSpPr>
-          <p:nvPr>
-            <p:ph type="title"/>
-          </p:nvPr>
+      <p:grpSpPr>
+        <a:xfrm>
+          <a:off x="0" y="0"/>
+          <a:ext cx="0" cy="0"/>
+          <a:chOff x="0" y="0"/>
+          <a:chExt cx="0" cy="0"/>
+        </a:xfrm>
+      </p:grpSpPr>
+      <p:grpSp>
+        <p:nvGrpSpPr>
+          <p:cNvPr id="4" name="组合 3"/>
+          <p:cNvGrpSpPr/>
+          <p:nvPr/>
+        </p:nvGrpSpPr>
+        <p:grpSpPr>
+          <a:xfrm rot="18960000">
+            <a:off x="955779" y="716052"/>
+            <a:ext cx="961850" cy="880594"/>
+            <a:chOff x="557" y="823"/>
+            <a:chExt cx="2092" cy="1819"/>
+          </a:xfrm>
+        </p:grpSpPr>
+        <p:pic>
+          <p:nvPicPr>
+            <p:cNvPr id="5" name="图片 4"/>
+            <p:cNvPicPr>
+              <a:picLocks noChangeAspect="1"/>
+            </p:cNvPicPr>
+            <p:nvPr/>
+          </p:nvPicPr>
+          <p:blipFill>
+            <a:blip r:embed="rId1"/>
+            <a:srcRect t="28041" b="34122"/>
+            <a:stretch>
+              <a:fillRect/>
+            </a:stretch>
+          </p:blipFill>
+          <p:spPr>
+            <a:xfrm>
+              <a:off x="852" y="1286"/>
+              <a:ext cx="1500" cy="147"/>
+            </a:xfrm>
+            <a:prstGeom prst="rect">
+              <a:avLst/>
+            </a:prstGeom>
+          </p:spPr>
+        </p:pic>
+        <p:sp>
+          <p:nvSpPr>
+            <p:cNvPr id="16" name="任意多边形 15"/>
+            <p:cNvSpPr/>
+            <p:nvPr/>
+          </p:nvSpPr>
+          <p:spPr>
+            <a:xfrm>
+              <a:off x="557" y="823"/>
+              <a:ext cx="295" cy="1819"/>
+            </a:xfrm>
+            <a:custGeom>
+              <a:avLst/>
+              <a:gdLst>
+                <a:gd name="connisteX0" fmla="*/ 69713 w 187045"/>
+                <a:gd name="connsiteY0" fmla="*/ 660606 h 1155285"/>
+                <a:gd name="connisteX1" fmla="*/ 109718 w 187045"/>
+                <a:gd name="connsiteY1" fmla="*/ 878411 h 1155285"/>
+                <a:gd name="connisteX2" fmla="*/ 128768 w 187045"/>
+                <a:gd name="connsiteY2" fmla="*/ 1056211 h 1155285"/>
+                <a:gd name="connisteX3" fmla="*/ 139563 w 187045"/>
+                <a:gd name="connsiteY3" fmla="*/ 1141301 h 1155285"/>
+                <a:gd name="connisteX4" fmla="*/ 181473 w 187045"/>
+                <a:gd name="connsiteY4" fmla="*/ 1136856 h 1155285"/>
+                <a:gd name="connisteX5" fmla="*/ 185918 w 187045"/>
+                <a:gd name="connsiteY5" fmla="*/ 1005411 h 1155285"/>
+                <a:gd name="connisteX6" fmla="*/ 185918 w 187045"/>
+                <a:gd name="connsiteY6" fmla="*/ 811101 h 1155285"/>
+                <a:gd name="connisteX7" fmla="*/ 175123 w 187045"/>
+                <a:gd name="connsiteY7" fmla="*/ 459311 h 1155285"/>
+                <a:gd name="connisteX8" fmla="*/ 109718 w 187045"/>
+                <a:gd name="connsiteY8" fmla="*/ 82756 h 1155285"/>
+                <a:gd name="connisteX9" fmla="*/ 10023 w 187045"/>
+                <a:gd name="connsiteY9" fmla="*/ 19256 h 1155285"/>
+                <a:gd name="connisteX10" fmla="*/ 12563 w 187045"/>
+                <a:gd name="connsiteY10" fmla="*/ 265001 h 1155285"/>
+                <a:gd name="connisteX11" fmla="*/ 52568 w 187045"/>
+                <a:gd name="connsiteY11" fmla="*/ 571706 h 1155285"/>
+                <a:gd name="connisteX12" fmla="*/ 69713 w 187045"/>
+                <a:gd name="connsiteY12" fmla="*/ 660606 h 1155285"/>
+              </a:gdLst>
+              <a:ahLst/>
+              <a:cxnLst>
+                <a:cxn ang="0">
+                  <a:pos x="connisteX0" y="connsiteY0"/>
+                </a:cxn>
+                <a:cxn ang="0">
+                  <a:pos x="connisteX1" y="connsiteY1"/>
+                </a:cxn>
+                <a:cxn ang="0">
+                  <a:pos x="connisteX2" y="connsiteY2"/>
+                </a:cxn>
+                <a:cxn ang="0">
+                  <a:pos x="connisteX3" y="connsiteY3"/>
+                </a:cxn>
+                <a:cxn ang="0">
+                  <a:pos x="connisteX4" y="connsiteY4"/>
+                </a:cxn>
+                <a:cxn ang="0">
+                  <a:pos x="connisteX5" y="connsiteY5"/>
+                </a:cxn>
+                <a:cxn ang="0">
+                  <a:pos x="connisteX6" y="connsiteY6"/>
+                </a:cxn>
+                <a:cxn ang="0">
+                  <a:pos x="connisteX7" y="connsiteY7"/>
+                </a:cxn>
+                <a:cxn ang="0">
+                  <a:pos x="connisteX8" y="connsiteY8"/>
+                </a:cxn>
+                <a:cxn ang="0">
+                  <a:pos x="connisteX9" y="connsiteY9"/>
+                </a:cxn>
+                <a:cxn ang="0">
+                  <a:pos x="connisteX10" y="connsiteY10"/>
+                </a:cxn>
+                <a:cxn ang="0">
+                  <a:pos x="connisteX11" y="connsiteY11"/>
+                </a:cxn>
+                <a:cxn ang="0">
+                  <a:pos x="connisteX12" y="connsiteY12"/>
+                </a:cxn>
+              </a:cxnLst>
+              <a:rect l="l" t="t" r="r" b="b"/>
+              <a:pathLst>
+                <a:path w="187046" h="1155286">
+                  <a:moveTo>
+                    <a:pt x="69714" y="660607"/>
+                  </a:moveTo>
+                  <a:cubicBezTo>
+                    <a:pt x="81144" y="722202"/>
+                    <a:pt x="97654" y="799037"/>
+                    <a:pt x="109719" y="878412"/>
+                  </a:cubicBezTo>
+                  <a:cubicBezTo>
+                    <a:pt x="121784" y="957787"/>
+                    <a:pt x="123054" y="1003507"/>
+                    <a:pt x="128769" y="1056212"/>
+                  </a:cubicBezTo>
+                  <a:cubicBezTo>
+                    <a:pt x="134484" y="1108917"/>
+                    <a:pt x="128769" y="1125427"/>
+                    <a:pt x="139564" y="1141302"/>
+                  </a:cubicBezTo>
+                  <a:cubicBezTo>
+                    <a:pt x="150359" y="1157177"/>
+                    <a:pt x="171949" y="1164162"/>
+                    <a:pt x="181474" y="1136857"/>
+                  </a:cubicBezTo>
+                  <a:cubicBezTo>
+                    <a:pt x="190999" y="1109552"/>
+                    <a:pt x="185284" y="1070817"/>
+                    <a:pt x="185919" y="1005412"/>
+                  </a:cubicBezTo>
+                  <a:cubicBezTo>
+                    <a:pt x="186554" y="940007"/>
+                    <a:pt x="187824" y="920322"/>
+                    <a:pt x="185919" y="811102"/>
+                  </a:cubicBezTo>
+                  <a:cubicBezTo>
+                    <a:pt x="184014" y="701882"/>
+                    <a:pt x="190364" y="604727"/>
+                    <a:pt x="175124" y="459312"/>
+                  </a:cubicBezTo>
+                  <a:cubicBezTo>
+                    <a:pt x="159884" y="313897"/>
+                    <a:pt x="142739" y="171022"/>
+                    <a:pt x="109719" y="82757"/>
+                  </a:cubicBezTo>
+                  <a:cubicBezTo>
+                    <a:pt x="76699" y="-5508"/>
+                    <a:pt x="29709" y="-16938"/>
+                    <a:pt x="10024" y="19257"/>
+                  </a:cubicBezTo>
+                  <a:cubicBezTo>
+                    <a:pt x="-9661" y="55452"/>
+                    <a:pt x="4309" y="154512"/>
+                    <a:pt x="12564" y="265002"/>
+                  </a:cubicBezTo>
+                  <a:cubicBezTo>
+                    <a:pt x="20819" y="375492"/>
+                    <a:pt x="41139" y="492332"/>
+                    <a:pt x="52569" y="571707"/>
+                  </a:cubicBezTo>
+                  <a:cubicBezTo>
+                    <a:pt x="63999" y="651082"/>
+                    <a:pt x="58284" y="599012"/>
+                    <a:pt x="69714" y="660607"/>
+                  </a:cubicBezTo>
+                  <a:close/>
+                </a:path>
+              </a:pathLst>
+            </a:custGeom>
+            <a:solidFill>
+              <a:schemeClr val="bg2">
+                <a:lumMod val="90000"/>
+              </a:schemeClr>
+            </a:solidFill>
+          </p:spPr>
+          <p:style>
+            <a:lnRef idx="0">
+              <a:srgbClr val="FFFFFF"/>
+            </a:lnRef>
+            <a:fillRef idx="1">
+              <a:schemeClr val="accent1"/>
+            </a:fillRef>
+            <a:effectRef idx="0">
+              <a:srgbClr val="FFFFFF"/>
+            </a:effectRef>
+            <a:fontRef idx="minor">
+              <a:schemeClr val="lt1"/>
+            </a:fontRef>
+          </p:style>
+          <p:txBody>
+            <a:bodyPr rtlCol="0" anchor="ctr"/>
+            <a:p>
+              <a:pPr algn="ctr"/>
+              <a:endParaRPr lang="zh-CN" altLang="en-US"/>
+            </a:p>
+          </p:txBody>
+        </p:sp>
+        <p:sp>
+          <p:nvSpPr>
+            <p:cNvPr id="17" name="任意多边形 16"/>
+            <p:cNvSpPr/>
+            <p:nvPr/>
+          </p:nvSpPr>
+          <p:spPr>
+            <a:xfrm flipH="1">
+              <a:off x="2354" y="823"/>
+              <a:ext cx="295" cy="1819"/>
+            </a:xfrm>
+            <a:custGeom>
+              <a:avLst/>
+              <a:gdLst>
+                <a:gd name="connisteX0" fmla="*/ 69713 w 187045"/>
+                <a:gd name="connsiteY0" fmla="*/ 660606 h 1155285"/>
+                <a:gd name="connisteX1" fmla="*/ 109718 w 187045"/>
+                <a:gd name="connsiteY1" fmla="*/ 878411 h 1155285"/>
+                <a:gd name="connisteX2" fmla="*/ 128768 w 187045"/>
+                <a:gd name="connsiteY2" fmla="*/ 1056211 h 1155285"/>
+                <a:gd name="connisteX3" fmla="*/ 139563 w 187045"/>
+                <a:gd name="connsiteY3" fmla="*/ 1141301 h 1155285"/>
+                <a:gd name="connisteX4" fmla="*/ 181473 w 187045"/>
+                <a:gd name="connsiteY4" fmla="*/ 1136856 h 1155285"/>
+                <a:gd name="connisteX5" fmla="*/ 185918 w 187045"/>
+                <a:gd name="connsiteY5" fmla="*/ 1005411 h 1155285"/>
+                <a:gd name="connisteX6" fmla="*/ 185918 w 187045"/>
+                <a:gd name="connsiteY6" fmla="*/ 811101 h 1155285"/>
+                <a:gd name="connisteX7" fmla="*/ 175123 w 187045"/>
+                <a:gd name="connsiteY7" fmla="*/ 459311 h 1155285"/>
+                <a:gd name="connisteX8" fmla="*/ 109718 w 187045"/>
+                <a:gd name="connsiteY8" fmla="*/ 82756 h 1155285"/>
+                <a:gd name="connisteX9" fmla="*/ 10023 w 187045"/>
+                <a:gd name="connsiteY9" fmla="*/ 19256 h 1155285"/>
+                <a:gd name="connisteX10" fmla="*/ 12563 w 187045"/>
+                <a:gd name="connsiteY10" fmla="*/ 265001 h 1155285"/>
+                <a:gd name="connisteX11" fmla="*/ 52568 w 187045"/>
+                <a:gd name="connsiteY11" fmla="*/ 571706 h 1155285"/>
+                <a:gd name="connisteX12" fmla="*/ 69713 w 187045"/>
+                <a:gd name="connsiteY12" fmla="*/ 660606 h 1155285"/>
+              </a:gdLst>
+              <a:ahLst/>
+              <a:cxnLst>
+                <a:cxn ang="0">
+                  <a:pos x="connisteX0" y="connsiteY0"/>
+                </a:cxn>
+                <a:cxn ang="0">
+                  <a:pos x="connisteX1" y="connsiteY1"/>
+                </a:cxn>
+                <a:cxn ang="0">
+                  <a:pos x="connisteX2" y="connsiteY2"/>
+                </a:cxn>
+                <a:cxn ang="0">
+                  <a:pos x="connisteX3" y="connsiteY3"/>
+                </a:cxn>
+                <a:cxn ang="0">
+                  <a:pos x="connisteX4" y="connsiteY4"/>
+                </a:cxn>
+                <a:cxn ang="0">
+                  <a:pos x="connisteX5" y="connsiteY5"/>
+                </a:cxn>
+                <a:cxn ang="0">
+                  <a:pos x="connisteX6" y="connsiteY6"/>
+                </a:cxn>
+                <a:cxn ang="0">
+                  <a:pos x="connisteX7" y="connsiteY7"/>
+                </a:cxn>
+                <a:cxn ang="0">
+                  <a:pos x="connisteX8" y="connsiteY8"/>
+                </a:cxn>
+                <a:cxn ang="0">
+                  <a:pos x="connisteX9" y="connsiteY9"/>
+                </a:cxn>
+                <a:cxn ang="0">
+                  <a:pos x="connisteX10" y="connsiteY10"/>
+                </a:cxn>
+                <a:cxn ang="0">
+                  <a:pos x="connisteX11" y="connsiteY11"/>
+                </a:cxn>
+                <a:cxn ang="0">
+                  <a:pos x="connisteX12" y="connsiteY12"/>
+                </a:cxn>
+              </a:cxnLst>
+              <a:rect l="l" t="t" r="r" b="b"/>
+              <a:pathLst>
+                <a:path w="187046" h="1155286">
+                  <a:moveTo>
+                    <a:pt x="69714" y="660607"/>
+                  </a:moveTo>
+                  <a:cubicBezTo>
+                    <a:pt x="81144" y="722202"/>
+                    <a:pt x="97654" y="799037"/>
+                    <a:pt x="109719" y="878412"/>
+                  </a:cubicBezTo>
+                  <a:cubicBezTo>
+                    <a:pt x="121784" y="957787"/>
+                    <a:pt x="123054" y="1003507"/>
+                    <a:pt x="128769" y="1056212"/>
+                  </a:cubicBezTo>
+                  <a:cubicBezTo>
+                    <a:pt x="134484" y="1108917"/>
+                    <a:pt x="128769" y="1125427"/>
+                    <a:pt x="139564" y="1141302"/>
+                  </a:cubicBezTo>
+                  <a:cubicBezTo>
+                    <a:pt x="150359" y="1157177"/>
+                    <a:pt x="171949" y="1164162"/>
+                    <a:pt x="181474" y="1136857"/>
+                  </a:cubicBezTo>
+                  <a:cubicBezTo>
+                    <a:pt x="190999" y="1109552"/>
+                    <a:pt x="185284" y="1070817"/>
+                    <a:pt x="185919" y="1005412"/>
+                  </a:cubicBezTo>
+                  <a:cubicBezTo>
+                    <a:pt x="186554" y="940007"/>
+                    <a:pt x="187824" y="920322"/>
+                    <a:pt x="185919" y="811102"/>
+                  </a:cubicBezTo>
+                  <a:cubicBezTo>
+                    <a:pt x="184014" y="701882"/>
+                    <a:pt x="190364" y="604727"/>
+                    <a:pt x="175124" y="459312"/>
+                  </a:cubicBezTo>
+                  <a:cubicBezTo>
+                    <a:pt x="159884" y="313897"/>
+                    <a:pt x="142739" y="171022"/>
+                    <a:pt x="109719" y="82757"/>
+                  </a:cubicBezTo>
+                  <a:cubicBezTo>
+                    <a:pt x="76699" y="-5508"/>
+                    <a:pt x="29709" y="-16938"/>
+                    <a:pt x="10024" y="19257"/>
+                  </a:cubicBezTo>
+                  <a:cubicBezTo>
+                    <a:pt x="-9661" y="55452"/>
+                    <a:pt x="4309" y="154512"/>
+                    <a:pt x="12564" y="265002"/>
+                  </a:cubicBezTo>
+                  <a:cubicBezTo>
+                    <a:pt x="20819" y="375492"/>
+                    <a:pt x="41139" y="492332"/>
+                    <a:pt x="52569" y="571707"/>
+                  </a:cubicBezTo>
+                  <a:cubicBezTo>
+                    <a:pt x="63999" y="651082"/>
+                    <a:pt x="58284" y="599012"/>
+                    <a:pt x="69714" y="660607"/>
+                  </a:cubicBezTo>
+                  <a:close/>
+                </a:path>
+              </a:pathLst>
+            </a:custGeom>
+            <a:solidFill>
+              <a:schemeClr val="bg2">
+                <a:lumMod val="90000"/>
+              </a:schemeClr>
+            </a:solidFill>
+          </p:spPr>
+          <p:style>
+            <a:lnRef idx="0">
+              <a:srgbClr val="FFFFFF"/>
+            </a:lnRef>
+            <a:fillRef idx="1">
+              <a:schemeClr val="accent1"/>
+            </a:fillRef>
+            <a:effectRef idx="0">
+              <a:srgbClr val="FFFFFF"/>
+            </a:effectRef>
+            <a:fontRef idx="minor">
+              <a:schemeClr val="lt1"/>
+            </a:fontRef>
+          </p:style>
+          <p:txBody>
+            <a:bodyPr rtlCol="0" anchor="ctr"/>
+            <a:p>
+              <a:pPr algn="ctr"/>
+              <a:endParaRPr lang="zh-CN" altLang="en-US"/>
+            </a:p>
+          </p:txBody>
+        </p:sp>
+      </p:grpSp>
+      <p:sp>
+        <p:nvSpPr>
+          <p:cNvPr id="14" name="任意多边形 13"/>
+          <p:cNvSpPr/>
+          <p:nvPr/>
         </p:nvSpPr>
         <p:spPr>
           <a:xfrm>
-            <a:off x="-360203" y="-1740670"/>
-            <a:ext cx="2652395" cy="882015"/>
+            <a:off x="30480" y="1000125"/>
+            <a:ext cx="1079500" cy="204470"/>
           </a:xfrm>
+          <a:custGeom>
+            <a:avLst/>
+            <a:gdLst>
+              <a:gd name="connisteX0" fmla="*/ 0 w 1079500"/>
+              <a:gd name="connsiteY0" fmla="*/ 5009 h 204399"/>
+              <a:gd name="connisteX1" fmla="*/ 480695 w 1079500"/>
+              <a:gd name="connsiteY1" fmla="*/ 3104 h 204399"/>
+              <a:gd name="connisteX2" fmla="*/ 865505 w 1079500"/>
+              <a:gd name="connsiteY2" fmla="*/ 24059 h 204399"/>
+              <a:gd name="connisteX3" fmla="*/ 1079500 w 1079500"/>
+              <a:gd name="connsiteY3" fmla="*/ 204399 h 204399"/>
+            </a:gdLst>
+            <a:ahLst/>
+            <a:cxnLst>
+              <a:cxn ang="0">
+                <a:pos x="connisteX0" y="connsiteY0"/>
+              </a:cxn>
+              <a:cxn ang="0">
+                <a:pos x="connisteX1" y="connsiteY1"/>
+              </a:cxn>
+              <a:cxn ang="0">
+                <a:pos x="connisteX2" y="connsiteY2"/>
+              </a:cxn>
+              <a:cxn ang="0">
+                <a:pos x="connisteX3" y="connsiteY3"/>
+              </a:cxn>
+            </a:cxnLst>
+            <a:rect l="l" t="t" r="r" b="b"/>
+            <a:pathLst>
+              <a:path w="1079500" h="204400">
+                <a:moveTo>
+                  <a:pt x="0" y="5010"/>
+                </a:moveTo>
+                <a:cubicBezTo>
+                  <a:pt x="88265" y="4375"/>
+                  <a:pt x="307340" y="-705"/>
+                  <a:pt x="480695" y="3105"/>
+                </a:cubicBezTo>
+                <a:cubicBezTo>
+                  <a:pt x="654050" y="6915"/>
+                  <a:pt x="745490" y="-15945"/>
+                  <a:pt x="865505" y="24060"/>
+                </a:cubicBezTo>
+                <a:cubicBezTo>
+                  <a:pt x="985520" y="64065"/>
+                  <a:pt x="1044575" y="168840"/>
+                  <a:pt x="1079500" y="204400"/>
+                </a:cubicBezTo>
+              </a:path>
+            </a:pathLst>
+          </a:custGeom>
+          <a:noFill/>
+          <a:ln w="6350">
+            <a:solidFill>
+              <a:schemeClr val="tx1"/>
+            </a:solidFill>
+          </a:ln>
         </p:spPr>
-        <p:txBody>
-          <a:bodyPr>
-            <a:normAutofit fontScale="90000"/>
-          </a:bodyPr>
-          <a:p>
-            <a:r>
-              <a:rPr lang="en-US" altLang="zh-CN"/>
-              <a:t>3333333333333333333</a:t>
-            </a:r>
-            <a:endParaRPr lang="en-US" altLang="zh-CN"/>
-          </a:p>
-        </p:txBody>
-      </p:sp>
-      <p:sp>
-        <p:nvSpPr>
-          <p:cNvPr id="3" name="内容占位符 2"/>
-          <p:cNvSpPr>
-            <a:spLocks noGrp="1"/>
-          </p:cNvSpPr>
-          <p:nvPr>
-            <p:ph idx="1"/>
-          </p:nvPr>
-        </p:nvSpPr>
-        <p:spPr/>
-        <p:txBody>
-          <a:bodyPr/>
-          <a:p>
+        <p:style>
+          <a:lnRef idx="2">
+            <a:schemeClr val="accent1">
+              <a:lumMod val="75000"/>
+            </a:schemeClr>
+          </a:lnRef>
+          <a:fillRef idx="1">
+            <a:schemeClr val="accent1"/>
+          </a:fillRef>
+          <a:effectRef idx="0">
+            <a:srgbClr val="FFFFFF"/>
+          </a:effectRef>
+          <a:fontRef idx="minor">
+            <a:schemeClr val="lt1"/>
+          </a:fontRef>
+        </p:style>
+        <p:txBody>
+          <a:bodyPr rtlCol="0" anchor="ctr"/>
+          <a:p>
+            <a:pPr algn="ctr"/>
+            <a:endParaRPr lang="zh-CN" altLang="en-US"/>
+          </a:p>
+        </p:txBody>
+      </p:sp>
+      <p:sp>
+        <p:nvSpPr>
+          <p:cNvPr id="15" name="任意多边形 14"/>
+          <p:cNvSpPr/>
+          <p:nvPr/>
+        </p:nvSpPr>
+        <p:spPr>
+          <a:xfrm>
+            <a:off x="38735" y="871220"/>
+            <a:ext cx="1164590" cy="214630"/>
+          </a:xfrm>
+          <a:custGeom>
+            <a:avLst/>
+            <a:gdLst>
+              <a:gd name="connisteX0" fmla="*/ 0 w 1164590"/>
+              <a:gd name="connsiteY0" fmla="*/ 3250 h 214705"/>
+              <a:gd name="connisteX1" fmla="*/ 601345 w 1164590"/>
+              <a:gd name="connsiteY1" fmla="*/ 3250 h 214705"/>
+              <a:gd name="connisteX2" fmla="*/ 990600 w 1164590"/>
+              <a:gd name="connsiteY2" fmla="*/ 36905 h 214705"/>
+              <a:gd name="connisteX3" fmla="*/ 1164590 w 1164590"/>
+              <a:gd name="connsiteY3" fmla="*/ 214705 h 214705"/>
+            </a:gdLst>
+            <a:ahLst/>
+            <a:cxnLst>
+              <a:cxn ang="0">
+                <a:pos x="connisteX0" y="connsiteY0"/>
+              </a:cxn>
+              <a:cxn ang="0">
+                <a:pos x="connisteX1" y="connsiteY1"/>
+              </a:cxn>
+              <a:cxn ang="0">
+                <a:pos x="connisteX2" y="connsiteY2"/>
+              </a:cxn>
+              <a:cxn ang="0">
+                <a:pos x="connisteX3" y="connsiteY3"/>
+              </a:cxn>
+            </a:cxnLst>
+            <a:rect l="l" t="t" r="r" b="b"/>
+            <a:pathLst>
+              <a:path w="1164590" h="214705">
+                <a:moveTo>
+                  <a:pt x="0" y="3250"/>
+                </a:moveTo>
+                <a:cubicBezTo>
+                  <a:pt x="112395" y="2615"/>
+                  <a:pt x="403225" y="-3735"/>
+                  <a:pt x="601345" y="3250"/>
+                </a:cubicBezTo>
+                <a:cubicBezTo>
+                  <a:pt x="799465" y="10235"/>
+                  <a:pt x="878205" y="-5640"/>
+                  <a:pt x="990600" y="36905"/>
+                </a:cubicBezTo>
+                <a:cubicBezTo>
+                  <a:pt x="1102995" y="79450"/>
+                  <a:pt x="1137285" y="179780"/>
+                  <a:pt x="1164590" y="214705"/>
+                </a:cubicBezTo>
+              </a:path>
+            </a:pathLst>
+          </a:custGeom>
+          <a:noFill/>
+          <a:ln w="6350">
+            <a:solidFill>
+              <a:schemeClr val="tx1"/>
+            </a:solidFill>
+          </a:ln>
+        </p:spPr>
+        <p:style>
+          <a:lnRef idx="2">
+            <a:schemeClr val="accent1">
+              <a:lumMod val="75000"/>
+            </a:schemeClr>
+          </a:lnRef>
+          <a:fillRef idx="1">
+            <a:schemeClr val="accent1"/>
+          </a:fillRef>
+          <a:effectRef idx="0">
+            <a:srgbClr val="FFFFFF"/>
+          </a:effectRef>
+          <a:fontRef idx="minor">
+            <a:schemeClr val="lt1"/>
+          </a:fontRef>
+        </p:style>
+        <p:txBody>
+          <a:bodyPr rtlCol="0" anchor="ctr"/>
+          <a:p>
+            <a:pPr algn="ctr"/>
+            <a:endParaRPr lang="zh-CN" altLang="en-US"/>
+          </a:p>
+        </p:txBody>
+      </p:sp>
+      <p:sp>
+        <p:nvSpPr>
+          <p:cNvPr id="19" name="任意多边形 18"/>
+          <p:cNvSpPr/>
+          <p:nvPr/>
+        </p:nvSpPr>
+        <p:spPr>
+          <a:xfrm>
+            <a:off x="47625" y="715010"/>
+            <a:ext cx="1263650" cy="286385"/>
+          </a:xfrm>
+          <a:custGeom>
+            <a:avLst/>
+            <a:gdLst>
+              <a:gd name="connisteX0" fmla="*/ 0 w 1263650"/>
+              <a:gd name="connsiteY0" fmla="*/ 2373 h 286218"/>
+              <a:gd name="connisteX1" fmla="*/ 694055 w 1263650"/>
+              <a:gd name="connsiteY1" fmla="*/ 6818 h 286218"/>
+              <a:gd name="connisteX2" fmla="*/ 1017905 w 1263650"/>
+              <a:gd name="connsiteY2" fmla="*/ 61428 h 286218"/>
+              <a:gd name="connisteX3" fmla="*/ 1263650 w 1263650"/>
+              <a:gd name="connsiteY3" fmla="*/ 286218 h 286218"/>
+            </a:gdLst>
+            <a:ahLst/>
+            <a:cxnLst>
+              <a:cxn ang="0">
+                <a:pos x="connisteX0" y="connsiteY0"/>
+              </a:cxn>
+              <a:cxn ang="0">
+                <a:pos x="connisteX1" y="connsiteY1"/>
+              </a:cxn>
+              <a:cxn ang="0">
+                <a:pos x="connisteX2" y="connsiteY2"/>
+              </a:cxn>
+              <a:cxn ang="0">
+                <a:pos x="connisteX3" y="connsiteY3"/>
+              </a:cxn>
+            </a:cxnLst>
+            <a:rect l="l" t="t" r="r" b="b"/>
+            <a:pathLst>
+              <a:path w="1263650" h="286219">
+                <a:moveTo>
+                  <a:pt x="0" y="2374"/>
+                </a:moveTo>
+                <a:cubicBezTo>
+                  <a:pt x="132080" y="2374"/>
+                  <a:pt x="490220" y="-5246"/>
+                  <a:pt x="694055" y="6819"/>
+                </a:cubicBezTo>
+                <a:cubicBezTo>
+                  <a:pt x="897890" y="18884"/>
+                  <a:pt x="904240" y="5549"/>
+                  <a:pt x="1017905" y="61429"/>
+                </a:cubicBezTo>
+                <a:cubicBezTo>
+                  <a:pt x="1131570" y="117309"/>
+                  <a:pt x="1221105" y="242404"/>
+                  <a:pt x="1263650" y="286219"/>
+                </a:cubicBezTo>
+              </a:path>
+            </a:pathLst>
+          </a:custGeom>
+          <a:noFill/>
+          <a:ln w="6350">
+            <a:solidFill>
+              <a:schemeClr val="tx1"/>
+            </a:solidFill>
+          </a:ln>
+        </p:spPr>
+        <p:style>
+          <a:lnRef idx="2">
+            <a:schemeClr val="accent1">
+              <a:lumMod val="75000"/>
+            </a:schemeClr>
+          </a:lnRef>
+          <a:fillRef idx="1">
+            <a:schemeClr val="accent1"/>
+          </a:fillRef>
+          <a:effectRef idx="0">
+            <a:srgbClr val="FFFFFF"/>
+          </a:effectRef>
+          <a:fontRef idx="minor">
+            <a:schemeClr val="lt1"/>
+          </a:fontRef>
+        </p:style>
+        <p:txBody>
+          <a:bodyPr rtlCol="0" anchor="ctr"/>
+          <a:p>
+            <a:pPr algn="ctr"/>
+            <a:endParaRPr lang="zh-CN" altLang="en-US"/>
+          </a:p>
+        </p:txBody>
+      </p:sp>
+      <p:sp>
+        <p:nvSpPr>
+          <p:cNvPr id="20" name="任意多边形 19"/>
+          <p:cNvSpPr/>
+          <p:nvPr/>
+        </p:nvSpPr>
+        <p:spPr>
+          <a:xfrm>
+            <a:off x="66675" y="560070"/>
+            <a:ext cx="1330960" cy="349885"/>
+          </a:xfrm>
+          <a:custGeom>
+            <a:avLst/>
+            <a:gdLst>
+              <a:gd name="connisteX0" fmla="*/ 0 w 1330960"/>
+              <a:gd name="connsiteY0" fmla="*/ 437 h 349687"/>
+              <a:gd name="connisteX1" fmla="*/ 734060 w 1330960"/>
+              <a:gd name="connsiteY1" fmla="*/ 9327 h 349687"/>
+              <a:gd name="connisteX2" fmla="*/ 1085850 w 1330960"/>
+              <a:gd name="connsiteY2" fmla="*/ 68382 h 349687"/>
+              <a:gd name="connisteX3" fmla="*/ 1330960 w 1330960"/>
+              <a:gd name="connsiteY3" fmla="*/ 349687 h 349687"/>
+            </a:gdLst>
+            <a:ahLst/>
+            <a:cxnLst>
+              <a:cxn ang="0">
+                <a:pos x="connisteX0" y="connsiteY0"/>
+              </a:cxn>
+              <a:cxn ang="0">
+                <a:pos x="connisteX1" y="connsiteY1"/>
+              </a:cxn>
+              <a:cxn ang="0">
+                <a:pos x="connisteX2" y="connsiteY2"/>
+              </a:cxn>
+              <a:cxn ang="0">
+                <a:pos x="connisteX3" y="connsiteY3"/>
+              </a:cxn>
+            </a:cxnLst>
+            <a:rect l="l" t="t" r="r" b="b"/>
+            <a:pathLst>
+              <a:path w="1330960" h="349688">
+                <a:moveTo>
+                  <a:pt x="0" y="438"/>
+                </a:moveTo>
+                <a:cubicBezTo>
+                  <a:pt x="139700" y="1073"/>
+                  <a:pt x="516890" y="-4007"/>
+                  <a:pt x="734060" y="9328"/>
+                </a:cubicBezTo>
+                <a:cubicBezTo>
+                  <a:pt x="951230" y="22663"/>
+                  <a:pt x="966470" y="438"/>
+                  <a:pt x="1085850" y="68383"/>
+                </a:cubicBezTo>
+                <a:cubicBezTo>
+                  <a:pt x="1205230" y="136328"/>
+                  <a:pt x="1289050" y="294443"/>
+                  <a:pt x="1330960" y="349688"/>
+                </a:cubicBezTo>
+              </a:path>
+            </a:pathLst>
+          </a:custGeom>
+          <a:noFill/>
+          <a:ln w="6350">
+            <a:solidFill>
+              <a:schemeClr val="tx1"/>
+            </a:solidFill>
+          </a:ln>
+        </p:spPr>
+        <p:style>
+          <a:lnRef idx="2">
+            <a:schemeClr val="accent1">
+              <a:lumMod val="75000"/>
+            </a:schemeClr>
+          </a:lnRef>
+          <a:fillRef idx="1">
+            <a:schemeClr val="accent1"/>
+          </a:fillRef>
+          <a:effectRef idx="0">
+            <a:srgbClr val="FFFFFF"/>
+          </a:effectRef>
+          <a:fontRef idx="minor">
+            <a:schemeClr val="lt1"/>
+          </a:fontRef>
+        </p:style>
+        <p:txBody>
+          <a:bodyPr rtlCol="0" anchor="ctr"/>
+          <a:p>
+            <a:pPr algn="ctr"/>
+            <a:endParaRPr lang="zh-CN" altLang="en-US"/>
+          </a:p>
+        </p:txBody>
+      </p:sp>
+      <p:sp>
+        <p:nvSpPr>
+          <p:cNvPr id="21" name="任意多边形 20"/>
+          <p:cNvSpPr/>
+          <p:nvPr/>
+        </p:nvSpPr>
+        <p:spPr>
+          <a:xfrm>
+            <a:off x="62230" y="392430"/>
+            <a:ext cx="1468755" cy="424815"/>
+          </a:xfrm>
+          <a:custGeom>
+            <a:avLst/>
+            <a:gdLst>
+              <a:gd name="connisteX0" fmla="*/ 0 w 1468755"/>
+              <a:gd name="connsiteY0" fmla="*/ 15688 h 424628"/>
+              <a:gd name="connisteX1" fmla="*/ 855345 w 1468755"/>
+              <a:gd name="connsiteY1" fmla="*/ 15688 h 424628"/>
+              <a:gd name="connisteX2" fmla="*/ 1249045 w 1468755"/>
+              <a:gd name="connsiteY2" fmla="*/ 185233 h 424628"/>
+              <a:gd name="connisteX3" fmla="*/ 1468755 w 1468755"/>
+              <a:gd name="connsiteY3" fmla="*/ 424628 h 424628"/>
+            </a:gdLst>
+            <a:ahLst/>
+            <a:cxnLst>
+              <a:cxn ang="0">
+                <a:pos x="connisteX0" y="connsiteY0"/>
+              </a:cxn>
+              <a:cxn ang="0">
+                <a:pos x="connisteX1" y="connsiteY1"/>
+              </a:cxn>
+              <a:cxn ang="0">
+                <a:pos x="connisteX2" y="connsiteY2"/>
+              </a:cxn>
+              <a:cxn ang="0">
+                <a:pos x="connisteX3" y="connsiteY3"/>
+              </a:cxn>
+            </a:cxnLst>
+            <a:rect l="l" t="t" r="r" b="b"/>
+            <a:pathLst>
+              <a:path w="1468755" h="424629">
+                <a:moveTo>
+                  <a:pt x="0" y="15689"/>
+                </a:moveTo>
+                <a:cubicBezTo>
+                  <a:pt x="163195" y="12514"/>
+                  <a:pt x="605790" y="-17966"/>
+                  <a:pt x="855345" y="15689"/>
+                </a:cubicBezTo>
+                <a:cubicBezTo>
+                  <a:pt x="1104900" y="49344"/>
+                  <a:pt x="1126490" y="103319"/>
+                  <a:pt x="1249045" y="185234"/>
+                </a:cubicBezTo>
+                <a:cubicBezTo>
+                  <a:pt x="1371600" y="267149"/>
+                  <a:pt x="1432560" y="380179"/>
+                  <a:pt x="1468755" y="424629"/>
+                </a:cubicBezTo>
+              </a:path>
+            </a:pathLst>
+          </a:custGeom>
+          <a:noFill/>
+          <a:ln w="6350">
+            <a:solidFill>
+              <a:schemeClr val="tx1"/>
+            </a:solidFill>
+          </a:ln>
+        </p:spPr>
+        <p:style>
+          <a:lnRef idx="2">
+            <a:schemeClr val="accent1">
+              <a:lumMod val="75000"/>
+            </a:schemeClr>
+          </a:lnRef>
+          <a:fillRef idx="1">
+            <a:schemeClr val="accent1"/>
+          </a:fillRef>
+          <a:effectRef idx="0">
+            <a:srgbClr val="FFFFFF"/>
+          </a:effectRef>
+          <a:fontRef idx="minor">
+            <a:schemeClr val="lt1"/>
+          </a:fontRef>
+        </p:style>
+        <p:txBody>
+          <a:bodyPr rtlCol="0" anchor="ctr"/>
+          <a:p>
+            <a:pPr algn="ctr"/>
+            <a:endParaRPr lang="zh-CN" altLang="en-US"/>
+          </a:p>
+        </p:txBody>
+      </p:sp>
+      <p:sp>
+        <p:nvSpPr>
+          <p:cNvPr id="60" name="任意多边形 59"/>
+          <p:cNvSpPr/>
+          <p:nvPr/>
+        </p:nvSpPr>
+        <p:spPr>
+          <a:xfrm>
+            <a:off x="1546225" y="831850"/>
+            <a:ext cx="726440" cy="748030"/>
+          </a:xfrm>
+          <a:custGeom>
+            <a:avLst/>
+            <a:gdLst>
+              <a:gd name="connisteX0" fmla="*/ 0 w 822960"/>
+              <a:gd name="connsiteY0" fmla="*/ 0 h 846455"/>
+              <a:gd name="connisteX1" fmla="*/ 822960 w 822960"/>
+              <a:gd name="connsiteY1" fmla="*/ 846455 h 846455"/>
+            </a:gdLst>
+            <a:ahLst/>
+            <a:cxnLst>
+              <a:cxn ang="0">
+                <a:pos x="connisteX0" y="connsiteY0"/>
+              </a:cxn>
+              <a:cxn ang="0">
+                <a:pos x="connisteX1" y="connsiteY1"/>
+              </a:cxn>
+            </a:cxnLst>
+            <a:rect l="l" t="t" r="r" b="b"/>
+            <a:pathLst>
+              <a:path w="822960" h="846455">
+                <a:moveTo>
+                  <a:pt x="0" y="0"/>
+                </a:moveTo>
+                <a:cubicBezTo>
+                  <a:pt x="274320" y="281940"/>
+                  <a:pt x="548640" y="564515"/>
+                  <a:pt x="822960" y="846455"/>
+                </a:cubicBezTo>
+              </a:path>
+            </a:pathLst>
+          </a:custGeom>
+          <a:noFill/>
+          <a:ln w="6350">
+            <a:solidFill>
+              <a:schemeClr val="tx1"/>
+            </a:solidFill>
+          </a:ln>
+        </p:spPr>
+        <p:style>
+          <a:lnRef idx="2">
+            <a:schemeClr val="accent1">
+              <a:lumMod val="75000"/>
+            </a:schemeClr>
+          </a:lnRef>
+          <a:fillRef idx="1">
+            <a:schemeClr val="accent1"/>
+          </a:fillRef>
+          <a:effectRef idx="0">
+            <a:srgbClr val="FFFFFF"/>
+          </a:effectRef>
+          <a:fontRef idx="minor">
+            <a:schemeClr val="lt1"/>
+          </a:fontRef>
+        </p:style>
+        <p:txBody>
+          <a:bodyPr rtlCol="0" anchor="ctr"/>
+          <a:p>
+            <a:pPr algn="ctr"/>
+            <a:endParaRPr lang="zh-CN" altLang="en-US"/>
+          </a:p>
+        </p:txBody>
+      </p:sp>
+      <p:sp>
+        <p:nvSpPr>
+          <p:cNvPr id="61" name="任意多边形 60"/>
+          <p:cNvSpPr/>
+          <p:nvPr/>
+        </p:nvSpPr>
+        <p:spPr>
+          <a:xfrm>
+            <a:off x="1442085" y="956945"/>
+            <a:ext cx="699770" cy="688975"/>
+          </a:xfrm>
+          <a:custGeom>
+            <a:avLst/>
+            <a:gdLst>
+              <a:gd name="connisteX0" fmla="*/ 0 w 829945"/>
+              <a:gd name="connsiteY0" fmla="*/ 0 h 808355"/>
+              <a:gd name="connisteX1" fmla="*/ 544195 w 829945"/>
+              <a:gd name="connsiteY1" fmla="*/ 560705 h 808355"/>
+              <a:gd name="connisteX2" fmla="*/ 829945 w 829945"/>
+              <a:gd name="connsiteY2" fmla="*/ 808355 h 808355"/>
+            </a:gdLst>
+            <a:ahLst/>
+            <a:cxnLst>
+              <a:cxn ang="0">
+                <a:pos x="connisteX0" y="connsiteY0"/>
+              </a:cxn>
+              <a:cxn ang="0">
+                <a:pos x="connisteX1" y="connsiteY1"/>
+              </a:cxn>
+              <a:cxn ang="0">
+                <a:pos x="connisteX2" y="connsiteY2"/>
+              </a:cxn>
+            </a:cxnLst>
+            <a:rect l="l" t="t" r="r" b="b"/>
+            <a:pathLst>
+              <a:path w="829945" h="808355">
+                <a:moveTo>
+                  <a:pt x="0" y="0"/>
+                </a:moveTo>
+                <a:cubicBezTo>
+                  <a:pt x="102870" y="107315"/>
+                  <a:pt x="378460" y="398780"/>
+                  <a:pt x="544195" y="560705"/>
+                </a:cubicBezTo>
+                <a:cubicBezTo>
+                  <a:pt x="709930" y="722630"/>
+                  <a:pt x="783590" y="770255"/>
+                  <a:pt x="829945" y="808355"/>
+                </a:cubicBezTo>
+              </a:path>
+            </a:pathLst>
+          </a:custGeom>
+          <a:noFill/>
+          <a:ln w="6350">
+            <a:solidFill>
+              <a:schemeClr val="tx1"/>
+            </a:solidFill>
+          </a:ln>
+        </p:spPr>
+        <p:style>
+          <a:lnRef idx="2">
+            <a:schemeClr val="accent1">
+              <a:lumMod val="75000"/>
+            </a:schemeClr>
+          </a:lnRef>
+          <a:fillRef idx="1">
+            <a:schemeClr val="accent1"/>
+          </a:fillRef>
+          <a:effectRef idx="0">
+            <a:srgbClr val="FFFFFF"/>
+          </a:effectRef>
+          <a:fontRef idx="minor">
+            <a:schemeClr val="lt1"/>
+          </a:fontRef>
+        </p:style>
+        <p:txBody>
+          <a:bodyPr rtlCol="0" anchor="ctr"/>
+          <a:p>
+            <a:pPr algn="ctr"/>
+            <a:endParaRPr lang="zh-CN" altLang="en-US"/>
+          </a:p>
+        </p:txBody>
+      </p:sp>
+      <p:sp>
+        <p:nvSpPr>
+          <p:cNvPr id="62" name="任意多边形 61"/>
+          <p:cNvSpPr/>
+          <p:nvPr/>
+        </p:nvSpPr>
+        <p:spPr>
+          <a:xfrm>
+            <a:off x="1340485" y="1041400"/>
+            <a:ext cx="829945" cy="806450"/>
+          </a:xfrm>
+          <a:custGeom>
+            <a:avLst/>
+            <a:gdLst>
+              <a:gd name="connisteX0" fmla="*/ 0 w 829945"/>
+              <a:gd name="connsiteY0" fmla="*/ 0 h 806450"/>
+              <a:gd name="connisteX1" fmla="*/ 340995 w 829945"/>
+              <a:gd name="connsiteY1" fmla="*/ 372745 h 806450"/>
+              <a:gd name="connisteX2" fmla="*/ 829945 w 829945"/>
+              <a:gd name="connsiteY2" fmla="*/ 806450 h 806450"/>
+            </a:gdLst>
+            <a:ahLst/>
+            <a:cxnLst>
+              <a:cxn ang="0">
+                <a:pos x="connisteX0" y="connsiteY0"/>
+              </a:cxn>
+              <a:cxn ang="0">
+                <a:pos x="connisteX1" y="connsiteY1"/>
+              </a:cxn>
+              <a:cxn ang="0">
+                <a:pos x="connisteX2" y="connsiteY2"/>
+              </a:cxn>
+            </a:cxnLst>
+            <a:rect l="l" t="t" r="r" b="b"/>
+            <a:pathLst>
+              <a:path w="829945" h="806450">
+                <a:moveTo>
+                  <a:pt x="0" y="0"/>
+                </a:moveTo>
+                <a:cubicBezTo>
+                  <a:pt x="58420" y="66040"/>
+                  <a:pt x="175260" y="211455"/>
+                  <a:pt x="340995" y="372745"/>
+                </a:cubicBezTo>
+                <a:cubicBezTo>
+                  <a:pt x="506730" y="534035"/>
+                  <a:pt x="739140" y="727075"/>
+                  <a:pt x="829945" y="806450"/>
+                </a:cubicBezTo>
+              </a:path>
+            </a:pathLst>
+          </a:custGeom>
+          <a:noFill/>
+          <a:ln w="6350">
+            <a:solidFill>
+              <a:schemeClr val="tx1"/>
+            </a:solidFill>
+          </a:ln>
+        </p:spPr>
+        <p:style>
+          <a:lnRef idx="2">
+            <a:schemeClr val="accent1">
+              <a:lumMod val="75000"/>
+            </a:schemeClr>
+          </a:lnRef>
+          <a:fillRef idx="1">
+            <a:schemeClr val="accent1"/>
+          </a:fillRef>
+          <a:effectRef idx="0">
+            <a:srgbClr val="FFFFFF"/>
+          </a:effectRef>
+          <a:fontRef idx="minor">
+            <a:schemeClr val="lt1"/>
+          </a:fontRef>
+        </p:style>
+        <p:txBody>
+          <a:bodyPr rtlCol="0" anchor="ctr"/>
+          <a:p>
+            <a:pPr algn="ctr"/>
+            <a:endParaRPr lang="zh-CN" altLang="en-US"/>
+          </a:p>
+        </p:txBody>
+      </p:sp>
+      <p:sp>
+        <p:nvSpPr>
+          <p:cNvPr id="63" name="任意多边形 62"/>
+          <p:cNvSpPr/>
+          <p:nvPr/>
+        </p:nvSpPr>
+        <p:spPr>
+          <a:xfrm>
+            <a:off x="1254125" y="1147445"/>
+            <a:ext cx="854710" cy="742950"/>
+          </a:xfrm>
+          <a:custGeom>
+            <a:avLst/>
+            <a:gdLst>
+              <a:gd name="connisteX0" fmla="*/ 0 w 854710"/>
+              <a:gd name="connsiteY0" fmla="*/ 0 h 742950"/>
+              <a:gd name="connisteX1" fmla="*/ 274955 w 854710"/>
+              <a:gd name="connsiteY1" fmla="*/ 294005 h 742950"/>
+              <a:gd name="connisteX2" fmla="*/ 554355 w 854710"/>
+              <a:gd name="connsiteY2" fmla="*/ 539750 h 742950"/>
+              <a:gd name="connisteX3" fmla="*/ 854710 w 854710"/>
+              <a:gd name="connsiteY3" fmla="*/ 742950 h 742950"/>
+            </a:gdLst>
+            <a:ahLst/>
+            <a:cxnLst>
+              <a:cxn ang="0">
+                <a:pos x="connisteX0" y="connsiteY0"/>
+              </a:cxn>
+              <a:cxn ang="0">
+                <a:pos x="connisteX1" y="connsiteY1"/>
+              </a:cxn>
+              <a:cxn ang="0">
+                <a:pos x="connisteX2" y="connsiteY2"/>
+              </a:cxn>
+              <a:cxn ang="0">
+                <a:pos x="connisteX3" y="connsiteY3"/>
+              </a:cxn>
+            </a:cxnLst>
+            <a:rect l="l" t="t" r="r" b="b"/>
+            <a:pathLst>
+              <a:path w="854710" h="742950">
+                <a:moveTo>
+                  <a:pt x="0" y="0"/>
+                </a:moveTo>
+                <a:cubicBezTo>
+                  <a:pt x="49530" y="53975"/>
+                  <a:pt x="163830" y="186055"/>
+                  <a:pt x="274955" y="294005"/>
+                </a:cubicBezTo>
+                <a:cubicBezTo>
+                  <a:pt x="386080" y="401955"/>
+                  <a:pt x="438150" y="450215"/>
+                  <a:pt x="554355" y="539750"/>
+                </a:cubicBezTo>
+                <a:cubicBezTo>
+                  <a:pt x="670560" y="629285"/>
+                  <a:pt x="800100" y="707390"/>
+                  <a:pt x="854710" y="742950"/>
+                </a:cubicBezTo>
+              </a:path>
+            </a:pathLst>
+          </a:custGeom>
+          <a:noFill/>
+          <a:ln w="6350">
+            <a:solidFill>
+              <a:schemeClr val="tx1"/>
+            </a:solidFill>
+          </a:ln>
+        </p:spPr>
+        <p:style>
+          <a:lnRef idx="2">
+            <a:schemeClr val="accent1">
+              <a:lumMod val="75000"/>
+            </a:schemeClr>
+          </a:lnRef>
+          <a:fillRef idx="1">
+            <a:schemeClr val="accent1"/>
+          </a:fillRef>
+          <a:effectRef idx="0">
+            <a:srgbClr val="FFFFFF"/>
+          </a:effectRef>
+          <a:fontRef idx="minor">
+            <a:schemeClr val="lt1"/>
+          </a:fontRef>
+        </p:style>
+        <p:txBody>
+          <a:bodyPr rtlCol="0" anchor="ctr"/>
+          <a:p>
+            <a:pPr algn="ctr"/>
+            <a:endParaRPr lang="zh-CN" altLang="en-US"/>
+          </a:p>
+        </p:txBody>
+      </p:sp>
+      <p:sp>
+        <p:nvSpPr>
+          <p:cNvPr id="64" name="任意多边形 63"/>
+          <p:cNvSpPr/>
+          <p:nvPr/>
+        </p:nvSpPr>
+        <p:spPr>
+          <a:xfrm>
+            <a:off x="1133475" y="1242695"/>
+            <a:ext cx="920750" cy="706755"/>
+          </a:xfrm>
+          <a:custGeom>
+            <a:avLst/>
+            <a:gdLst>
+              <a:gd name="connisteX0" fmla="*/ 0 w 920750"/>
+              <a:gd name="connsiteY0" fmla="*/ 0 h 706755"/>
+              <a:gd name="connisteX1" fmla="*/ 406400 w 920750"/>
+              <a:gd name="connsiteY1" fmla="*/ 400050 h 706755"/>
+              <a:gd name="connisteX2" fmla="*/ 920750 w 920750"/>
+              <a:gd name="connsiteY2" fmla="*/ 706755 h 706755"/>
+            </a:gdLst>
+            <a:ahLst/>
+            <a:cxnLst>
+              <a:cxn ang="0">
+                <a:pos x="connisteX0" y="connsiteY0"/>
+              </a:cxn>
+              <a:cxn ang="0">
+                <a:pos x="connisteX1" y="connsiteY1"/>
+              </a:cxn>
+              <a:cxn ang="0">
+                <a:pos x="connisteX2" y="connsiteY2"/>
+              </a:cxn>
+            </a:cxnLst>
+            <a:rect l="l" t="t" r="r" b="b"/>
+            <a:pathLst>
+              <a:path w="920750" h="706755">
+                <a:moveTo>
+                  <a:pt x="0" y="0"/>
+                </a:moveTo>
+                <a:cubicBezTo>
+                  <a:pt x="71120" y="73660"/>
+                  <a:pt x="222250" y="258445"/>
+                  <a:pt x="406400" y="400050"/>
+                </a:cubicBezTo>
+                <a:cubicBezTo>
+                  <a:pt x="590550" y="541655"/>
+                  <a:pt x="826135" y="653415"/>
+                  <a:pt x="920750" y="706755"/>
+                </a:cubicBezTo>
+              </a:path>
+            </a:pathLst>
+          </a:custGeom>
+          <a:noFill/>
+          <a:ln w="6350">
+            <a:solidFill>
+              <a:schemeClr val="tx1"/>
+            </a:solidFill>
+          </a:ln>
+        </p:spPr>
+        <p:style>
+          <a:lnRef idx="2">
+            <a:schemeClr val="accent1">
+              <a:lumMod val="75000"/>
+            </a:schemeClr>
+          </a:lnRef>
+          <a:fillRef idx="1">
+            <a:schemeClr val="accent1"/>
+          </a:fillRef>
+          <a:effectRef idx="0">
+            <a:srgbClr val="FFFFFF"/>
+          </a:effectRef>
+          <a:fontRef idx="minor">
+            <a:schemeClr val="lt1"/>
+          </a:fontRef>
+        </p:style>
+        <p:txBody>
+          <a:bodyPr rtlCol="0" anchor="ctr"/>
+          <a:p>
+            <a:pPr algn="ctr"/>
+            <a:endParaRPr lang="zh-CN" altLang="en-US"/>
+          </a:p>
+        </p:txBody>
+      </p:sp>
+      <p:cxnSp>
+        <p:nvCxnSpPr>
+          <p:cNvPr id="65" name="直接连接符 64"/>
+          <p:cNvCxnSpPr/>
+          <p:nvPr/>
+        </p:nvCxnSpPr>
+        <p:spPr>
+          <a:xfrm>
+            <a:off x="429260" y="87630"/>
+            <a:ext cx="1755140" cy="1844675"/>
+          </a:xfrm>
+          <a:prstGeom prst="line">
+            <a:avLst/>
+          </a:prstGeom>
+          <a:ln w="6350" cap="flat" cmpd="sng" algn="ctr">
+            <a:solidFill>
+              <a:schemeClr val="accent1"/>
+            </a:solidFill>
+            <a:prstDash val="sysDash"/>
+            <a:miter lim="800000"/>
+          </a:ln>
+        </p:spPr>
+        <p:style>
+          <a:lnRef idx="0">
+            <a:schemeClr val="accent1"/>
+          </a:lnRef>
+          <a:fillRef idx="0">
+            <a:srgbClr val="FFFFFF"/>
+          </a:fillRef>
+          <a:effectRef idx="0">
+            <a:srgbClr val="FFFFFF"/>
+          </a:effectRef>
+          <a:fontRef idx="minor">
+            <a:schemeClr val="tx1"/>
+          </a:fontRef>
+        </p:style>
+      </p:cxnSp>
+      <p:cxnSp>
+        <p:nvCxnSpPr>
+          <p:cNvPr id="66" name="直接连接符 65"/>
+          <p:cNvCxnSpPr/>
+          <p:nvPr/>
+        </p:nvCxnSpPr>
+        <p:spPr>
+          <a:xfrm flipV="1">
+            <a:off x="140970" y="222885"/>
+            <a:ext cx="415290" cy="2540"/>
+          </a:xfrm>
+          <a:prstGeom prst="line">
+            <a:avLst/>
+          </a:prstGeom>
+          <a:ln w="6350" cap="flat" cmpd="sng" algn="ctr">
+            <a:solidFill>
+              <a:schemeClr val="accent1"/>
+            </a:solidFill>
+            <a:prstDash val="sysDash"/>
+            <a:miter lim="800000"/>
+          </a:ln>
+        </p:spPr>
+        <p:style>
+          <a:lnRef idx="0">
+            <a:schemeClr val="accent1"/>
+          </a:lnRef>
+          <a:fillRef idx="0">
+            <a:srgbClr val="FFFFFF"/>
+          </a:fillRef>
+          <a:effectRef idx="0">
+            <a:srgbClr val="FFFFFF"/>
+          </a:effectRef>
+          <a:fontRef idx="minor">
+            <a:schemeClr val="tx1"/>
+          </a:fontRef>
+        </p:style>
+      </p:cxnSp>
+      <p:sp>
+        <p:nvSpPr>
+          <p:cNvPr id="67" name="弧形 66"/>
+          <p:cNvSpPr/>
+          <p:nvPr/>
+        </p:nvSpPr>
+        <p:spPr>
+          <a:xfrm rot="14760000">
+            <a:off x="473075" y="150495"/>
+            <a:ext cx="76200" cy="100330"/>
+          </a:xfrm>
+          <a:prstGeom prst="arc">
+            <a:avLst/>
+          </a:prstGeom>
+          <a:ln w="6350"/>
+        </p:spPr>
+        <p:style>
+          <a:lnRef idx="2">
+            <a:schemeClr val="accent1"/>
+          </a:lnRef>
+          <a:fillRef idx="0">
+            <a:srgbClr val="FFFFFF"/>
+          </a:fillRef>
+          <a:effectRef idx="0">
+            <a:srgbClr val="FFFFFF"/>
+          </a:effectRef>
+          <a:fontRef idx="minor">
+            <a:schemeClr val="tx1"/>
+          </a:fontRef>
+        </p:style>
+        <p:txBody>
+          <a:bodyPr rtlCol="0" anchor="ctr"/>
+          <a:p>
+            <a:pPr algn="ctr"/>
+            <a:endParaRPr lang="zh-CN" altLang="en-US"/>
+          </a:p>
+        </p:txBody>
+      </p:sp>
+      <p:graphicFrame>
+        <p:nvGraphicFramePr>
+          <p:cNvPr id="68" name="对象 -2147482608"/>
+          <p:cNvGraphicFramePr>
+            <a:graphicFrameLocks noChangeAspect="1"/>
+          </p:cNvGraphicFramePr>
+          <p:nvPr/>
+        </p:nvGraphicFramePr>
+        <p:xfrm>
+          <a:off x="202248" y="18733"/>
+          <a:ext cx="177165" cy="190500"/>
+        </p:xfrm>
+        <a:graphic>
+          <a:graphicData uri="http://schemas.openxmlformats.org/presentationml/2006/ole">
+            <mc:AlternateContent xmlns:mc="http://schemas.openxmlformats.org/markup-compatibility/2006">
+              <mc:Choice xmlns:v="urn:schemas-microsoft-com:vml" Requires="v">
+                <p:oleObj spid="_x0000_s69" name="" r:id="rId2" imgW="177165" imgH="190500" progId="DSEquations">
+                  <p:embed/>
+                </p:oleObj>
+              </mc:Choice>
+              <mc:Fallback>
+                <p:oleObj name="" r:id="rId2" imgW="177165" imgH="190500" progId="DSEquations">
+                  <p:embed/>
+                  <p:pic>
+                    <p:nvPicPr>
+                      <p:cNvPr id="0" name="图片 3075"/>
+                      <p:cNvPicPr/>
+                      <p:nvPr/>
+                    </p:nvPicPr>
+                    <p:blipFill>
+                      <a:blip r:embed="rId3"/>
+                      <a:stretch>
+                        <a:fillRect/>
+                      </a:stretch>
+                    </p:blipFill>
+                    <p:spPr>
+                      <a:xfrm>
+                        <a:off x="202248" y="18733"/>
+                        <a:ext cx="177165" cy="190500"/>
+                      </a:xfrm>
+                      <a:prstGeom prst="rect">
+                        <a:avLst/>
+                      </a:prstGeom>
+                      <a:noFill/>
+                      <a:ln w="38100">
+                        <a:noFill/>
+                        <a:miter/>
+                      </a:ln>
+                    </p:spPr>
+                  </p:pic>
+                </p:oleObj>
+              </mc:Fallback>
+            </mc:AlternateContent>
+          </a:graphicData>
+        </a:graphic>
+      </p:graphicFrame>
+      <p:cxnSp>
+        <p:nvCxnSpPr>
+          <p:cNvPr id="70" name="直接连接符 69"/>
+          <p:cNvCxnSpPr/>
+          <p:nvPr/>
+        </p:nvCxnSpPr>
+        <p:spPr>
+          <a:xfrm flipV="1">
+            <a:off x="556260" y="217170"/>
+            <a:ext cx="300990" cy="6350"/>
+          </a:xfrm>
+          <a:prstGeom prst="line">
+            <a:avLst/>
+          </a:prstGeom>
+          <a:ln w="6350">
+            <a:tailEnd type="triangle" w="sm" len="sm"/>
+          </a:ln>
+        </p:spPr>
+        <p:style>
+          <a:lnRef idx="2">
+            <a:schemeClr val="accent1"/>
+          </a:lnRef>
+          <a:fillRef idx="0">
+            <a:srgbClr val="FFFFFF"/>
+          </a:fillRef>
+          <a:effectRef idx="0">
+            <a:srgbClr val="FFFFFF"/>
+          </a:effectRef>
+          <a:fontRef idx="minor">
+            <a:schemeClr val="tx1"/>
+          </a:fontRef>
+        </p:style>
+      </p:cxnSp>
+      <p:cxnSp>
+        <p:nvCxnSpPr>
+          <p:cNvPr id="71" name="直接连接符 70"/>
+          <p:cNvCxnSpPr/>
+          <p:nvPr/>
+        </p:nvCxnSpPr>
+        <p:spPr>
+          <a:xfrm flipV="1">
+            <a:off x="556260" y="57150"/>
+            <a:ext cx="173990" cy="157480"/>
+          </a:xfrm>
+          <a:prstGeom prst="line">
+            <a:avLst/>
+          </a:prstGeom>
+          <a:ln w="6350">
+            <a:tailEnd type="triangle" w="sm" len="sm"/>
+          </a:ln>
+        </p:spPr>
+        <p:style>
+          <a:lnRef idx="2">
+            <a:schemeClr val="accent1"/>
+          </a:lnRef>
+          <a:fillRef idx="0">
+            <a:srgbClr val="FFFFFF"/>
+          </a:fillRef>
+          <a:effectRef idx="0">
+            <a:srgbClr val="FFFFFF"/>
+          </a:effectRef>
+          <a:fontRef idx="minor">
+            <a:schemeClr val="tx1"/>
+          </a:fontRef>
+        </p:style>
+      </p:cxnSp>
+      <p:cxnSp>
+        <p:nvCxnSpPr>
+          <p:cNvPr id="72" name="直接连接符 71"/>
+          <p:cNvCxnSpPr/>
+          <p:nvPr/>
+        </p:nvCxnSpPr>
+        <p:spPr>
+          <a:xfrm>
+            <a:off x="556895" y="224155"/>
+            <a:ext cx="158750" cy="163195"/>
+          </a:xfrm>
+          <a:prstGeom prst="line">
+            <a:avLst/>
+          </a:prstGeom>
+          <a:ln w="6350">
+            <a:tailEnd type="triangle" w="sm" len="sm"/>
+          </a:ln>
+        </p:spPr>
+        <p:style>
+          <a:lnRef idx="2">
+            <a:schemeClr val="accent1"/>
+          </a:lnRef>
+          <a:fillRef idx="0">
+            <a:srgbClr val="FFFFFF"/>
+          </a:fillRef>
+          <a:effectRef idx="0">
+            <a:srgbClr val="FFFFFF"/>
+          </a:effectRef>
+          <a:fontRef idx="minor">
+            <a:schemeClr val="tx1"/>
+          </a:fontRef>
+        </p:style>
+      </p:cxnSp>
+      <p:graphicFrame>
+        <p:nvGraphicFramePr>
+          <p:cNvPr id="73" name="对象 -2147482608"/>
+          <p:cNvGraphicFramePr>
+            <a:graphicFrameLocks noChangeAspect="1"/>
+          </p:cNvGraphicFramePr>
+          <p:nvPr/>
+        </p:nvGraphicFramePr>
+        <p:xfrm>
+          <a:off x="251778" y="1042353"/>
+          <a:ext cx="177165" cy="190500"/>
+        </p:xfrm>
+        <a:graphic>
+          <a:graphicData uri="http://schemas.openxmlformats.org/presentationml/2006/ole">
+            <mc:AlternateContent xmlns:mc="http://schemas.openxmlformats.org/markup-compatibility/2006">
+              <mc:Choice xmlns:v="urn:schemas-microsoft-com:vml" Requires="v">
+                <p:oleObj spid="_x0000_s74" name="" r:id="rId4" imgW="177165" imgH="190500" progId="DSEquations">
+                  <p:embed/>
+                </p:oleObj>
+              </mc:Choice>
+              <mc:Fallback>
+                <p:oleObj name="" r:id="rId4" imgW="177165" imgH="190500" progId="DSEquations">
+                  <p:embed/>
+                  <p:pic>
+                    <p:nvPicPr>
+                      <p:cNvPr id="0" name="图片 3075"/>
+                      <p:cNvPicPr/>
+                      <p:nvPr/>
+                    </p:nvPicPr>
+                    <p:blipFill>
+                      <a:blip r:embed="rId3"/>
+                      <a:stretch>
+                        <a:fillRect/>
+                      </a:stretch>
+                    </p:blipFill>
+                    <p:spPr>
+                      <a:xfrm>
+                        <a:off x="251778" y="1042353"/>
+                        <a:ext cx="177165" cy="190500"/>
+                      </a:xfrm>
+                      <a:prstGeom prst="rect">
+                        <a:avLst/>
+                      </a:prstGeom>
+                      <a:noFill/>
+                      <a:ln w="38100">
+                        <a:noFill/>
+                        <a:miter/>
+                      </a:ln>
+                    </p:spPr>
+                  </p:pic>
+                </p:oleObj>
+              </mc:Fallback>
+            </mc:AlternateContent>
+          </a:graphicData>
+        </a:graphic>
+      </p:graphicFrame>
+      <p:graphicFrame>
+        <p:nvGraphicFramePr>
+          <p:cNvPr id="75" name="对象 -2147482608"/>
+          <p:cNvGraphicFramePr>
+            <a:graphicFrameLocks noChangeAspect="1"/>
+          </p:cNvGraphicFramePr>
+          <p:nvPr/>
+        </p:nvGraphicFramePr>
+        <p:xfrm>
+          <a:off x="868045" y="147638"/>
+          <a:ext cx="165100" cy="190500"/>
+        </p:xfrm>
+        <a:graphic>
+          <a:graphicData uri="http://schemas.openxmlformats.org/presentationml/2006/ole">
+            <mc:AlternateContent xmlns:mc="http://schemas.openxmlformats.org/markup-compatibility/2006">
+              <mc:Choice xmlns:v="urn:schemas-microsoft-com:vml" Requires="v">
+                <p:oleObj spid="_x0000_s76" name="" r:id="rId5" imgW="165100" imgH="190500" progId="DSEquations">
+                  <p:embed/>
+                </p:oleObj>
+              </mc:Choice>
+              <mc:Fallback>
+                <p:oleObj name="" r:id="rId5" imgW="165100" imgH="190500" progId="DSEquations">
+                  <p:embed/>
+                  <p:pic>
+                    <p:nvPicPr>
+                      <p:cNvPr id="0" name="图片 3075"/>
+                      <p:cNvPicPr/>
+                      <p:nvPr/>
+                    </p:nvPicPr>
+                    <p:blipFill>
+                      <a:blip r:embed="rId6"/>
+                      <a:stretch>
+                        <a:fillRect/>
+                      </a:stretch>
+                    </p:blipFill>
+                    <p:spPr>
+                      <a:xfrm>
+                        <a:off x="868045" y="147638"/>
+                        <a:ext cx="165100" cy="190500"/>
+                      </a:xfrm>
+                      <a:prstGeom prst="rect">
+                        <a:avLst/>
+                      </a:prstGeom>
+                      <a:noFill/>
+                      <a:ln w="38100">
+                        <a:noFill/>
+                        <a:miter/>
+                      </a:ln>
+                    </p:spPr>
+                  </p:pic>
+                </p:oleObj>
+              </mc:Fallback>
+            </mc:AlternateContent>
+          </a:graphicData>
+        </a:graphic>
+      </p:graphicFrame>
+      <p:graphicFrame>
+        <p:nvGraphicFramePr>
+          <p:cNvPr id="77" name="对象 -2147482608"/>
+          <p:cNvGraphicFramePr>
+            <a:graphicFrameLocks noChangeAspect="1"/>
+          </p:cNvGraphicFramePr>
+          <p:nvPr/>
+        </p:nvGraphicFramePr>
+        <p:xfrm>
+          <a:off x="473075" y="226378"/>
+          <a:ext cx="152400" cy="190500"/>
+        </p:xfrm>
+        <a:graphic>
+          <a:graphicData uri="http://schemas.openxmlformats.org/presentationml/2006/ole">
+            <mc:AlternateContent xmlns:mc="http://schemas.openxmlformats.org/markup-compatibility/2006">
+              <mc:Choice xmlns:v="urn:schemas-microsoft-com:vml" Requires="v">
+                <p:oleObj spid="_x0000_s78" name="" r:id="rId7" imgW="152400" imgH="190500" progId="DSEquations">
+                  <p:embed/>
+                </p:oleObj>
+              </mc:Choice>
+              <mc:Fallback>
+                <p:oleObj name="" r:id="rId7" imgW="152400" imgH="190500" progId="DSEquations">
+                  <p:embed/>
+                  <p:pic>
+                    <p:nvPicPr>
+                      <p:cNvPr id="0" name="图片 3075"/>
+                      <p:cNvPicPr/>
+                      <p:nvPr/>
+                    </p:nvPicPr>
+                    <p:blipFill>
+                      <a:blip r:embed="rId8"/>
+                      <a:stretch>
+                        <a:fillRect/>
+                      </a:stretch>
+                    </p:blipFill>
+                    <p:spPr>
+                      <a:xfrm>
+                        <a:off x="473075" y="226378"/>
+                        <a:ext cx="152400" cy="190500"/>
+                      </a:xfrm>
+                      <a:prstGeom prst="rect">
+                        <a:avLst/>
+                      </a:prstGeom>
+                      <a:noFill/>
+                      <a:ln w="38100">
+                        <a:noFill/>
+                        <a:miter/>
+                      </a:ln>
+                    </p:spPr>
+                  </p:pic>
+                </p:oleObj>
+              </mc:Fallback>
+            </mc:AlternateContent>
+          </a:graphicData>
+        </a:graphic>
+      </p:graphicFrame>
+      <p:graphicFrame>
+        <p:nvGraphicFramePr>
+          <p:cNvPr id="79" name="对象 -2147482608"/>
+          <p:cNvGraphicFramePr>
+            <a:graphicFrameLocks noChangeAspect="1"/>
+          </p:cNvGraphicFramePr>
+          <p:nvPr/>
+        </p:nvGraphicFramePr>
+        <p:xfrm>
+          <a:off x="730250" y="-23812"/>
+          <a:ext cx="152400" cy="190500"/>
+        </p:xfrm>
+        <a:graphic>
+          <a:graphicData uri="http://schemas.openxmlformats.org/presentationml/2006/ole">
+            <mc:AlternateContent xmlns:mc="http://schemas.openxmlformats.org/markup-compatibility/2006">
+              <mc:Choice xmlns:v="urn:schemas-microsoft-com:vml" Requires="v">
+                <p:oleObj spid="_x0000_s80" name="" r:id="rId9" imgW="152400" imgH="190500" progId="DSEquations">
+                  <p:embed/>
+                </p:oleObj>
+              </mc:Choice>
+              <mc:Fallback>
+                <p:oleObj name="" r:id="rId9" imgW="152400" imgH="190500" progId="DSEquations">
+                  <p:embed/>
+                  <p:pic>
+                    <p:nvPicPr>
+                      <p:cNvPr id="0" name="图片 3075"/>
+                      <p:cNvPicPr/>
+                      <p:nvPr/>
+                    </p:nvPicPr>
+                    <p:blipFill>
+                      <a:blip r:embed="rId10"/>
+                      <a:stretch>
+                        <a:fillRect/>
+                      </a:stretch>
+                    </p:blipFill>
+                    <p:spPr>
+                      <a:xfrm>
+                        <a:off x="730250" y="-23812"/>
+                        <a:ext cx="152400" cy="190500"/>
+                      </a:xfrm>
+                      <a:prstGeom prst="rect">
+                        <a:avLst/>
+                      </a:prstGeom>
+                      <a:noFill/>
+                      <a:ln w="38100">
+                        <a:noFill/>
+                        <a:miter/>
+                      </a:ln>
+                    </p:spPr>
+                  </p:pic>
+                </p:oleObj>
+              </mc:Fallback>
+            </mc:AlternateContent>
+          </a:graphicData>
+        </a:graphic>
+      </p:graphicFrame>
+      <p:cxnSp>
+        <p:nvCxnSpPr>
+          <p:cNvPr id="82" name="直接连接符 81"/>
+          <p:cNvCxnSpPr/>
+          <p:nvPr/>
+        </p:nvCxnSpPr>
+        <p:spPr>
+          <a:xfrm>
+            <a:off x="2070735" y="1812925"/>
+            <a:ext cx="330835" cy="236855"/>
+          </a:xfrm>
+          <a:prstGeom prst="line">
+            <a:avLst/>
+          </a:prstGeom>
+          <a:ln w="6350">
+            <a:tailEnd type="triangle" w="sm" len="sm"/>
+          </a:ln>
+        </p:spPr>
+        <p:style>
+          <a:lnRef idx="2">
+            <a:schemeClr val="accent1"/>
+          </a:lnRef>
+          <a:fillRef idx="0">
+            <a:srgbClr val="FFFFFF"/>
+          </a:fillRef>
+          <a:effectRef idx="0">
+            <a:srgbClr val="FFFFFF"/>
+          </a:effectRef>
+          <a:fontRef idx="minor">
+            <a:schemeClr val="tx1"/>
+          </a:fontRef>
+        </p:style>
+      </p:cxnSp>
+      <p:cxnSp>
+        <p:nvCxnSpPr>
+          <p:cNvPr id="83" name="直接连接符 82"/>
+          <p:cNvCxnSpPr/>
+          <p:nvPr/>
+        </p:nvCxnSpPr>
+        <p:spPr>
+          <a:xfrm flipV="1">
+            <a:off x="2070735" y="1734820"/>
+            <a:ext cx="71755" cy="69215"/>
+          </a:xfrm>
+          <a:prstGeom prst="line">
+            <a:avLst/>
+          </a:prstGeom>
+          <a:ln w="6350">
+            <a:tailEnd type="triangle" w="sm" len="sm"/>
+          </a:ln>
+        </p:spPr>
+        <p:style>
+          <a:lnRef idx="2">
+            <a:schemeClr val="accent1"/>
+          </a:lnRef>
+          <a:fillRef idx="0">
+            <a:srgbClr val="FFFFFF"/>
+          </a:fillRef>
+          <a:effectRef idx="0">
+            <a:srgbClr val="FFFFFF"/>
+          </a:effectRef>
+          <a:fontRef idx="minor">
+            <a:schemeClr val="tx1"/>
+          </a:fontRef>
+        </p:style>
+      </p:cxnSp>
+      <p:cxnSp>
+        <p:nvCxnSpPr>
+          <p:cNvPr id="84" name="直接连接符 83"/>
+          <p:cNvCxnSpPr/>
+          <p:nvPr/>
+        </p:nvCxnSpPr>
+        <p:spPr>
+          <a:xfrm>
+            <a:off x="2071370" y="1813560"/>
+            <a:ext cx="278130" cy="285115"/>
+          </a:xfrm>
+          <a:prstGeom prst="line">
+            <a:avLst/>
+          </a:prstGeom>
+          <a:ln w="6350">
+            <a:tailEnd type="triangle" w="sm" len="sm"/>
+          </a:ln>
+        </p:spPr>
+        <p:style>
+          <a:lnRef idx="2">
+            <a:schemeClr val="accent1"/>
+          </a:lnRef>
+          <a:fillRef idx="0">
+            <a:srgbClr val="FFFFFF"/>
+          </a:fillRef>
+          <a:effectRef idx="0">
+            <a:srgbClr val="FFFFFF"/>
+          </a:effectRef>
+          <a:fontRef idx="minor">
+            <a:schemeClr val="tx1"/>
+          </a:fontRef>
+        </p:style>
+      </p:cxnSp>
+      <p:graphicFrame>
+        <p:nvGraphicFramePr>
+          <p:cNvPr id="87" name="对象 -2147482608"/>
+          <p:cNvGraphicFramePr>
+            <a:graphicFrameLocks noChangeAspect="1"/>
+          </p:cNvGraphicFramePr>
+          <p:nvPr/>
+        </p:nvGraphicFramePr>
+        <p:xfrm>
+          <a:off x="1878330" y="1958975"/>
+          <a:ext cx="393700" cy="215900"/>
+        </p:xfrm>
+        <a:graphic>
+          <a:graphicData uri="http://schemas.openxmlformats.org/presentationml/2006/ole">
+            <mc:AlternateContent xmlns:mc="http://schemas.openxmlformats.org/markup-compatibility/2006">
+              <mc:Choice xmlns:v="urn:schemas-microsoft-com:vml" Requires="v">
+                <p:oleObj spid="_x0000_s88" name="" r:id="rId11" imgW="393700" imgH="215900" progId="DSEquations">
+                  <p:embed/>
+                </p:oleObj>
+              </mc:Choice>
+              <mc:Fallback>
+                <p:oleObj name="" r:id="rId11" imgW="393700" imgH="215900" progId="DSEquations">
+                  <p:embed/>
+                  <p:pic>
+                    <p:nvPicPr>
+                      <p:cNvPr id="0" name="图片 3075"/>
+                      <p:cNvPicPr/>
+                      <p:nvPr/>
+                    </p:nvPicPr>
+                    <p:blipFill>
+                      <a:blip r:embed="rId12"/>
+                      <a:stretch>
+                        <a:fillRect/>
+                      </a:stretch>
+                    </p:blipFill>
+                    <p:spPr>
+                      <a:xfrm>
+                        <a:off x="1878330" y="1958975"/>
+                        <a:ext cx="393700" cy="215900"/>
+                      </a:xfrm>
+                      <a:prstGeom prst="rect">
+                        <a:avLst/>
+                      </a:prstGeom>
+                      <a:noFill/>
+                      <a:ln w="38100">
+                        <a:noFill/>
+                        <a:miter/>
+                      </a:ln>
+                    </p:spPr>
+                  </p:pic>
+                </p:oleObj>
+              </mc:Fallback>
+            </mc:AlternateContent>
+          </a:graphicData>
+        </a:graphic>
+      </p:graphicFrame>
+      <p:graphicFrame>
+        <p:nvGraphicFramePr>
+          <p:cNvPr id="89" name="对象 -2147482608"/>
+          <p:cNvGraphicFramePr>
+            <a:graphicFrameLocks noChangeAspect="1"/>
+          </p:cNvGraphicFramePr>
+          <p:nvPr/>
+        </p:nvGraphicFramePr>
+        <p:xfrm>
+          <a:off x="2132013" y="1562100"/>
+          <a:ext cx="177165" cy="215900"/>
+        </p:xfrm>
+        <a:graphic>
+          <a:graphicData uri="http://schemas.openxmlformats.org/presentationml/2006/ole">
+            <mc:AlternateContent xmlns:mc="http://schemas.openxmlformats.org/markup-compatibility/2006">
+              <mc:Choice xmlns:v="urn:schemas-microsoft-com:vml" Requires="v">
+                <p:oleObj spid="_x0000_s90" name="" r:id="rId13" imgW="177165" imgH="215900" progId="DSEquations">
+                  <p:embed/>
+                </p:oleObj>
+              </mc:Choice>
+              <mc:Fallback>
+                <p:oleObj name="" r:id="rId13" imgW="177165" imgH="215900" progId="DSEquations">
+                  <p:embed/>
+                  <p:pic>
+                    <p:nvPicPr>
+                      <p:cNvPr id="0" name="图片 3075"/>
+                      <p:cNvPicPr/>
+                      <p:nvPr/>
+                    </p:nvPicPr>
+                    <p:blipFill>
+                      <a:blip r:embed="rId14"/>
+                      <a:stretch>
+                        <a:fillRect/>
+                      </a:stretch>
+                    </p:blipFill>
+                    <p:spPr>
+                      <a:xfrm>
+                        <a:off x="2132013" y="1562100"/>
+                        <a:ext cx="177165" cy="215900"/>
+                      </a:xfrm>
+                      <a:prstGeom prst="rect">
+                        <a:avLst/>
+                      </a:prstGeom>
+                      <a:noFill/>
+                      <a:ln w="38100">
+                        <a:noFill/>
+                        <a:miter/>
+                      </a:ln>
+                    </p:spPr>
+                  </p:pic>
+                </p:oleObj>
+              </mc:Fallback>
+            </mc:AlternateContent>
+          </a:graphicData>
+        </a:graphic>
+      </p:graphicFrame>
+      <p:cxnSp>
+        <p:nvCxnSpPr>
+          <p:cNvPr id="92" name="直接连接符 91"/>
+          <p:cNvCxnSpPr/>
+          <p:nvPr/>
+        </p:nvCxnSpPr>
+        <p:spPr>
+          <a:xfrm flipH="1">
+            <a:off x="683260" y="233680"/>
+            <a:ext cx="127635" cy="116205"/>
+          </a:xfrm>
+          <a:prstGeom prst="line">
+            <a:avLst/>
+          </a:prstGeom>
+          <a:ln w="6350" cap="flat" cmpd="sng" algn="ctr">
+            <a:solidFill>
+              <a:schemeClr val="accent1"/>
+            </a:solidFill>
+            <a:prstDash val="sysDash"/>
+            <a:miter lim="800000"/>
+          </a:ln>
+        </p:spPr>
+        <p:style>
+          <a:lnRef idx="0">
+            <a:schemeClr val="accent1"/>
+          </a:lnRef>
+          <a:fillRef idx="0">
+            <a:srgbClr val="FFFFFF"/>
+          </a:fillRef>
+          <a:effectRef idx="0">
+            <a:srgbClr val="FFFFFF"/>
+          </a:effectRef>
+          <a:fontRef idx="minor">
+            <a:schemeClr val="tx1"/>
+          </a:fontRef>
+        </p:style>
+      </p:cxnSp>
+      <p:cxnSp>
+        <p:nvCxnSpPr>
+          <p:cNvPr id="93" name="直接连接符 92"/>
+          <p:cNvCxnSpPr/>
+          <p:nvPr/>
+        </p:nvCxnSpPr>
+        <p:spPr>
+          <a:xfrm flipH="1" flipV="1">
+            <a:off x="698500" y="92075"/>
+            <a:ext cx="103505" cy="116205"/>
+          </a:xfrm>
+          <a:prstGeom prst="line">
+            <a:avLst/>
+          </a:prstGeom>
+          <a:ln w="6350" cap="flat" cmpd="sng" algn="ctr">
+            <a:solidFill>
+              <a:schemeClr val="accent1"/>
+            </a:solidFill>
+            <a:prstDash val="sysDash"/>
+            <a:miter lim="800000"/>
+          </a:ln>
+        </p:spPr>
+        <p:style>
+          <a:lnRef idx="0">
+            <a:schemeClr val="accent1"/>
+          </a:lnRef>
+          <a:fillRef idx="0">
+            <a:srgbClr val="FFFFFF"/>
+          </a:fillRef>
+          <a:effectRef idx="0">
+            <a:srgbClr val="FFFFFF"/>
+          </a:effectRef>
+          <a:fontRef idx="minor">
+            <a:schemeClr val="tx1"/>
+          </a:fontRef>
+        </p:style>
+      </p:cxnSp>
+      <p:cxnSp>
+        <p:nvCxnSpPr>
+          <p:cNvPr id="94" name="直接连接符 93"/>
+          <p:cNvCxnSpPr/>
+          <p:nvPr/>
+        </p:nvCxnSpPr>
+        <p:spPr>
+          <a:xfrm flipH="1" flipV="1">
+            <a:off x="2112645" y="1772920"/>
+            <a:ext cx="249555" cy="249555"/>
+          </a:xfrm>
+          <a:prstGeom prst="line">
+            <a:avLst/>
+          </a:prstGeom>
+          <a:ln w="6350" cap="flat" cmpd="sng" algn="ctr">
+            <a:solidFill>
+              <a:schemeClr val="accent1"/>
+            </a:solidFill>
+            <a:prstDash val="sysDash"/>
+            <a:miter lim="800000"/>
+          </a:ln>
+        </p:spPr>
+        <p:style>
+          <a:lnRef idx="0">
+            <a:schemeClr val="accent1"/>
+          </a:lnRef>
+          <a:fillRef idx="0">
+            <a:srgbClr val="FFFFFF"/>
+          </a:fillRef>
+          <a:effectRef idx="0">
+            <a:srgbClr val="FFFFFF"/>
+          </a:effectRef>
+          <a:fontRef idx="minor">
+            <a:schemeClr val="tx1"/>
+          </a:fontRef>
+        </p:style>
+      </p:cxnSp>
+      <p:cxnSp>
+        <p:nvCxnSpPr>
+          <p:cNvPr id="95" name="直接连接符 94"/>
+          <p:cNvCxnSpPr/>
+          <p:nvPr/>
+        </p:nvCxnSpPr>
+        <p:spPr>
+          <a:xfrm flipH="1">
+            <a:off x="2313305" y="2011680"/>
+            <a:ext cx="46990" cy="46990"/>
+          </a:xfrm>
+          <a:prstGeom prst="line">
+            <a:avLst/>
+          </a:prstGeom>
+          <a:ln w="6350" cap="flat" cmpd="sng" algn="ctr">
+            <a:solidFill>
+              <a:schemeClr val="accent1"/>
+            </a:solidFill>
+            <a:prstDash val="sysDash"/>
+            <a:miter lim="800000"/>
+          </a:ln>
+        </p:spPr>
+        <p:style>
+          <a:lnRef idx="0">
+            <a:schemeClr val="accent1"/>
+          </a:lnRef>
+          <a:fillRef idx="0">
+            <a:srgbClr val="FFFFFF"/>
+          </a:fillRef>
+          <a:effectRef idx="0">
+            <a:srgbClr val="FFFFFF"/>
+          </a:effectRef>
+          <a:fontRef idx="minor">
+            <a:schemeClr val="tx1"/>
+          </a:fontRef>
+        </p:style>
+      </p:cxnSp>
+      <p:sp>
+        <p:nvSpPr>
+          <p:cNvPr id="96" name="右箭头 95"/>
+          <p:cNvSpPr/>
+          <p:nvPr/>
+        </p:nvSpPr>
+        <p:spPr>
+          <a:xfrm rot="19080000">
+            <a:off x="859155" y="424180"/>
+            <a:ext cx="385445" cy="78105"/>
+          </a:xfrm>
+          <a:prstGeom prst="rightArrow">
+            <a:avLst/>
+          </a:prstGeom>
+          <a:solidFill>
+            <a:schemeClr val="accent2"/>
+          </a:solidFill>
+        </p:spPr>
+        <p:style>
+          <a:lnRef idx="0">
+            <a:srgbClr val="FFFFFF"/>
+          </a:lnRef>
+          <a:fillRef idx="1">
+            <a:schemeClr val="accent1"/>
+          </a:fillRef>
+          <a:effectRef idx="0">
+            <a:srgbClr val="FFFFFF"/>
+          </a:effectRef>
+          <a:fontRef idx="minor">
+            <a:schemeClr val="lt1"/>
+          </a:fontRef>
+        </p:style>
+        <p:txBody>
+          <a:bodyPr rtlCol="0" anchor="ctr"/>
+          <a:p>
+            <a:pPr algn="ctr"/>
+            <a:endParaRPr lang="zh-CN" altLang="en-US"/>
+          </a:p>
+        </p:txBody>
+      </p:sp>
+      <p:graphicFrame>
+        <p:nvGraphicFramePr>
+          <p:cNvPr id="97" name="对象 -2147482608"/>
+          <p:cNvGraphicFramePr>
+            <a:graphicFrameLocks noChangeAspect="1"/>
+          </p:cNvGraphicFramePr>
+          <p:nvPr/>
+        </p:nvGraphicFramePr>
+        <p:xfrm>
+          <a:off x="1193165" y="147638"/>
+          <a:ext cx="368300" cy="215900"/>
+        </p:xfrm>
+        <a:graphic>
+          <a:graphicData uri="http://schemas.openxmlformats.org/presentationml/2006/ole">
+            <mc:AlternateContent xmlns:mc="http://schemas.openxmlformats.org/markup-compatibility/2006">
+              <mc:Choice xmlns:v="urn:schemas-microsoft-com:vml" Requires="v">
+                <p:oleObj spid="_x0000_s98" name="" r:id="rId15" imgW="368300" imgH="215900" progId="DSEquations">
+                  <p:embed/>
+                </p:oleObj>
+              </mc:Choice>
+              <mc:Fallback>
+                <p:oleObj name="" r:id="rId15" imgW="368300" imgH="215900" progId="DSEquations">
+                  <p:embed/>
+                  <p:pic>
+                    <p:nvPicPr>
+                      <p:cNvPr id="0" name="图片 3075"/>
+                      <p:cNvPicPr/>
+                      <p:nvPr/>
+                    </p:nvPicPr>
+                    <p:blipFill>
+                      <a:blip r:embed="rId16"/>
+                      <a:stretch>
+                        <a:fillRect/>
+                      </a:stretch>
+                    </p:blipFill>
+                    <p:spPr>
+                      <a:xfrm>
+                        <a:off x="1193165" y="147638"/>
+                        <a:ext cx="368300" cy="215900"/>
+                      </a:xfrm>
+                      <a:prstGeom prst="rect">
+                        <a:avLst/>
+                      </a:prstGeom>
+                      <a:noFill/>
+                      <a:ln w="38100">
+                        <a:noFill/>
+                        <a:miter/>
+                      </a:ln>
+                    </p:spPr>
+                  </p:pic>
+                </p:oleObj>
+              </mc:Fallback>
+            </mc:AlternateContent>
+          </a:graphicData>
+        </a:graphic>
+      </p:graphicFrame>
+      <p:graphicFrame>
+        <p:nvGraphicFramePr>
+          <p:cNvPr id="99" name="对象 -2147482608"/>
+          <p:cNvGraphicFramePr>
+            <a:graphicFrameLocks noChangeAspect="1"/>
+          </p:cNvGraphicFramePr>
+          <p:nvPr/>
+        </p:nvGraphicFramePr>
+        <p:xfrm>
+          <a:off x="1254125" y="573088"/>
+          <a:ext cx="127000" cy="139700"/>
+        </p:xfrm>
+        <a:graphic>
+          <a:graphicData uri="http://schemas.openxmlformats.org/presentationml/2006/ole">
+            <mc:AlternateContent xmlns:mc="http://schemas.openxmlformats.org/markup-compatibility/2006">
+              <mc:Choice xmlns:v="urn:schemas-microsoft-com:vml" Requires="v">
+                <p:oleObj spid="_x0000_s100" name="" r:id="rId17" imgW="127000" imgH="139700" progId="DSEquations">
+                  <p:embed/>
+                </p:oleObj>
+              </mc:Choice>
+              <mc:Fallback>
+                <p:oleObj name="" r:id="rId17" imgW="127000" imgH="139700" progId="DSEquations">
+                  <p:embed/>
+                  <p:pic>
+                    <p:nvPicPr>
+                      <p:cNvPr id="0" name="图片 3075"/>
+                      <p:cNvPicPr/>
+                      <p:nvPr/>
+                    </p:nvPicPr>
+                    <p:blipFill>
+                      <a:blip r:embed="rId18"/>
+                      <a:stretch>
+                        <a:fillRect/>
+                      </a:stretch>
+                    </p:blipFill>
+                    <p:spPr>
+                      <a:xfrm>
+                        <a:off x="1254125" y="573088"/>
+                        <a:ext cx="127000" cy="139700"/>
+                      </a:xfrm>
+                      <a:prstGeom prst="rect">
+                        <a:avLst/>
+                      </a:prstGeom>
+                      <a:noFill/>
+                      <a:ln w="38100">
+                        <a:noFill/>
+                        <a:miter/>
+                      </a:ln>
+                    </p:spPr>
+                  </p:pic>
+                </p:oleObj>
+              </mc:Fallback>
+            </mc:AlternateContent>
+          </a:graphicData>
+        </a:graphic>
+      </p:graphicFrame>
+      <p:graphicFrame>
+        <p:nvGraphicFramePr>
+          <p:cNvPr id="101" name="对象 -2147482608"/>
+          <p:cNvGraphicFramePr>
+            <a:graphicFrameLocks noChangeAspect="1"/>
+          </p:cNvGraphicFramePr>
+          <p:nvPr/>
+        </p:nvGraphicFramePr>
+        <p:xfrm>
+          <a:off x="1546225" y="928688"/>
+          <a:ext cx="152400" cy="139700"/>
+        </p:xfrm>
+        <a:graphic>
+          <a:graphicData uri="http://schemas.openxmlformats.org/presentationml/2006/ole">
+            <mc:AlternateContent xmlns:mc="http://schemas.openxmlformats.org/markup-compatibility/2006">
+              <mc:Choice xmlns:v="urn:schemas-microsoft-com:vml" Requires="v">
+                <p:oleObj spid="_x0000_s102" name="" r:id="rId19" imgW="152400" imgH="139700" progId="DSEquations">
+                  <p:embed/>
+                </p:oleObj>
+              </mc:Choice>
+              <mc:Fallback>
+                <p:oleObj name="" r:id="rId19" imgW="152400" imgH="139700" progId="DSEquations">
+                  <p:embed/>
+                  <p:pic>
+                    <p:nvPicPr>
+                      <p:cNvPr id="0" name="图片 3075"/>
+                      <p:cNvPicPr/>
+                      <p:nvPr/>
+                    </p:nvPicPr>
+                    <p:blipFill>
+                      <a:blip r:embed="rId20"/>
+                      <a:stretch>
+                        <a:fillRect/>
+                      </a:stretch>
+                    </p:blipFill>
+                    <p:spPr>
+                      <a:xfrm>
+                        <a:off x="1546225" y="928688"/>
+                        <a:ext cx="152400" cy="139700"/>
+                      </a:xfrm>
+                      <a:prstGeom prst="rect">
+                        <a:avLst/>
+                      </a:prstGeom>
+                      <a:noFill/>
+                      <a:ln w="38100">
+                        <a:noFill/>
+                        <a:miter/>
+                      </a:ln>
+                    </p:spPr>
+                  </p:pic>
+                </p:oleObj>
+              </mc:Fallback>
+            </mc:AlternateContent>
+          </a:graphicData>
+        </a:graphic>
+      </p:graphicFrame>
+      <p:sp>
+        <p:nvSpPr>
+          <p:cNvPr id="103" name="右箭头 102"/>
+          <p:cNvSpPr/>
+          <p:nvPr/>
+        </p:nvSpPr>
+        <p:spPr>
+          <a:xfrm rot="16200000">
+            <a:off x="1144270" y="774065"/>
+            <a:ext cx="233680" cy="78105"/>
+          </a:xfrm>
+          <a:prstGeom prst="rightArrow">
+            <a:avLst/>
+          </a:prstGeom>
+          <a:solidFill>
+            <a:srgbClr val="FF0000"/>
+          </a:solidFill>
+        </p:spPr>
+        <p:style>
+          <a:lnRef idx="0">
+            <a:srgbClr val="FFFFFF"/>
+          </a:lnRef>
+          <a:fillRef idx="1">
+            <a:schemeClr val="accent1"/>
+          </a:fillRef>
+          <a:effectRef idx="0">
+            <a:srgbClr val="FFFFFF"/>
+          </a:effectRef>
+          <a:fontRef idx="minor">
+            <a:schemeClr val="lt1"/>
+          </a:fontRef>
+        </p:style>
+        <p:txBody>
+          <a:bodyPr rtlCol="0" anchor="ctr"/>
+          <a:p>
+            <a:pPr algn="ctr"/>
+            <a:endParaRPr lang="zh-CN" altLang="en-US"/>
+          </a:p>
+        </p:txBody>
+      </p:sp>
+      <p:sp>
+        <p:nvSpPr>
+          <p:cNvPr id="104" name="右箭头 103"/>
+          <p:cNvSpPr/>
+          <p:nvPr/>
+        </p:nvSpPr>
+        <p:spPr>
+          <a:xfrm>
+            <a:off x="1278890" y="909955"/>
+            <a:ext cx="267335" cy="76200"/>
+          </a:xfrm>
+          <a:prstGeom prst="rightArrow">
+            <a:avLst/>
+          </a:prstGeom>
+          <a:solidFill>
+            <a:srgbClr val="007E7E"/>
+          </a:solidFill>
+        </p:spPr>
+        <p:style>
+          <a:lnRef idx="0">
+            <a:srgbClr val="FFFFFF"/>
+          </a:lnRef>
+          <a:fillRef idx="1">
+            <a:schemeClr val="accent1"/>
+          </a:fillRef>
+          <a:effectRef idx="0">
+            <a:srgbClr val="FFFFFF"/>
+          </a:effectRef>
+          <a:fontRef idx="minor">
+            <a:schemeClr val="lt1"/>
+          </a:fontRef>
+        </p:style>
+        <p:txBody>
+          <a:bodyPr rtlCol="0" anchor="ctr"/>
+          <a:p>
+            <a:pPr algn="ctr"/>
             <a:endParaRPr lang="zh-CN" altLang="en-US"/>
           </a:p>
         </p:txBody>
       </p:sp>
     </p:spTree>
     <p:custDataLst>
-      <p:tags r:id="rId1"/>
+      <p:tags r:id="rId21"/>
     </p:custDataLst>
   </p:cSld>
   <p:clrMapOvr>
@@ -5645,9 +8025,23 @@
 
 <file path=ppt/tags/tag64.xml><?xml version="1.0" encoding="utf-8"?>
 <p:tagLst xmlns:p="http://schemas.openxmlformats.org/presentationml/2006/main">
+  <p:tag name="KSO_WM_SLIDE_ID" val="custom20205081_1"/>
+  <p:tag name="KSO_WM_TEMPLATE_SUBCATEGORY" val="19"/>
+  <p:tag name="KSO_WM_TEMPLATE_MASTER_TYPE" val="0"/>
+  <p:tag name="KSO_WM_TEMPLATE_COLOR_TYPE" val="1"/>
+  <p:tag name="KSO_WM_SLIDE_TYPE" val="title"/>
+  <p:tag name="KSO_WM_SLIDE_SUBTYPE" val="defaultBlank"/>
+  <p:tag name="KSO_WM_SLIDE_ITEM_CNT" val="0"/>
+  <p:tag name="KSO_WM_SLIDE_INDEX" val="1"/>
+  <p:tag name="KSO_WM_TAG_VERSION" val="1.0"/>
   <p:tag name="KSO_WM_BEAUTIFY_FLAG" val="#wm#"/>
   <p:tag name="KSO_WM_TEMPLATE_CATEGORY" val="custom"/>
   <p:tag name="KSO_WM_TEMPLATE_INDEX" val="20205081"/>
+  <p:tag name="KSO_WM_SLIDE_LAYOUT" val="a_b"/>
+  <p:tag name="KSO_WM_SLIDE_LAYOUT_CNT" val="1_1"/>
+  <p:tag name="KSO_WM_UNIT_SHOW_EDIT_AREA_INDICATION" val="1"/>
+  <p:tag name="KSO_WM_TEMPLATE_THUMBS_INDEX" val="1、4、7、12、13、14、15、16、17、18、20、24、25、28、33、36、40、43、44"/>
+  <p:tag name="resource_record_key" val="{&quot;10&quot;:[50011895],&quot;65&quot;:[20205081]}"/>
 </p:tagLst>
 </file>
 

--- a/Fig/轴流管道模型.pptx
+++ b/Fig/轴流管道模型.pptx
@@ -4667,19 +4667,19 @@
           <p:nvPr/>
         </p:nvGraphicFramePr>
         <p:xfrm>
-          <a:off x="1076960" y="602933"/>
-          <a:ext cx="241300" cy="215900"/>
+          <a:off x="1086485" y="602933"/>
+          <a:ext cx="165100" cy="215900"/>
         </p:xfrm>
         <a:graphic>
           <a:graphicData uri="http://schemas.openxmlformats.org/presentationml/2006/ole">
             <mc:AlternateContent xmlns:mc="http://schemas.openxmlformats.org/markup-compatibility/2006">
               <mc:Choice xmlns:v="urn:schemas-microsoft-com:vml" Requires="v">
-                <p:oleObj spid="_x0000_s56" name="" r:id="rId10" imgW="241300" imgH="215900" progId="DSEquations">
+                <p:oleObj spid="_x0000_s56" name="" r:id="rId10" imgW="165100" imgH="215900" progId="DSEquations">
                   <p:embed/>
                 </p:oleObj>
               </mc:Choice>
               <mc:Fallback>
-                <p:oleObj name="" r:id="rId10" imgW="241300" imgH="215900" progId="DSEquations">
+                <p:oleObj name="" r:id="rId10" imgW="165100" imgH="215900" progId="DSEquations">
                   <p:embed/>
                   <p:pic>
                     <p:nvPicPr>
@@ -4695,8 +4695,8 @@
                     </p:blipFill>
                     <p:spPr>
                       <a:xfrm>
-                        <a:off x="1076960" y="602933"/>
-                        <a:ext cx="241300" cy="215900"/>
+                        <a:off x="1086485" y="602933"/>
+                        <a:ext cx="165100" cy="215900"/>
                       </a:xfrm>
                       <a:prstGeom prst="rect">
                         <a:avLst/>

--- a/Fig/轴流管道模型.pptx
+++ b/Fig/轴流管道模型.pptx
@@ -3478,19 +3478,19 @@
           <p:nvPr/>
         </p:nvGraphicFramePr>
         <p:xfrm>
-          <a:off x="2167890" y="-5397"/>
-          <a:ext cx="152400" cy="190500"/>
+          <a:off x="2161540" y="-5397"/>
+          <a:ext cx="165100" cy="190500"/>
         </p:xfrm>
         <a:graphic>
           <a:graphicData uri="http://schemas.openxmlformats.org/presentationml/2006/ole">
             <mc:AlternateContent xmlns:mc="http://schemas.openxmlformats.org/markup-compatibility/2006">
               <mc:Choice xmlns:v="urn:schemas-microsoft-com:vml" Requires="v">
-                <p:oleObj spid="_x0000_s3076" name="" r:id="rId2" imgW="152400" imgH="190500" progId="DSEquations">
+                <p:oleObj spid="_x0000_s3076" name="" r:id="rId2" imgW="165100" imgH="190500" progId="DSEquations">
                   <p:embed/>
                 </p:oleObj>
               </mc:Choice>
               <mc:Fallback>
-                <p:oleObj name="" r:id="rId2" imgW="152400" imgH="190500" progId="DSEquations">
+                <p:oleObj name="" r:id="rId2" imgW="165100" imgH="190500" progId="DSEquations">
                   <p:embed/>
                   <p:pic>
                     <p:nvPicPr>
@@ -3506,8 +3506,8 @@
                     </p:blipFill>
                     <p:spPr>
                       <a:xfrm>
-                        <a:off x="2167890" y="-5397"/>
-                        <a:ext cx="152400" cy="190500"/>
+                        <a:off x="2161540" y="-5397"/>
+                        <a:ext cx="165100" cy="190500"/>
                       </a:xfrm>
                       <a:prstGeom prst="rect">
                         <a:avLst/>
@@ -3944,7 +3944,7 @@
           <p:nvPr/>
         </p:nvGraphicFramePr>
         <p:xfrm>
-          <a:off x="2136775" y="658813"/>
+          <a:off x="2136775" y="697548"/>
           <a:ext cx="139700" cy="190500"/>
         </p:xfrm>
         <a:graphic>
@@ -3972,7 +3972,7 @@
                     </p:blipFill>
                     <p:spPr>
                       <a:xfrm>
-                        <a:off x="2136775" y="658813"/>
+                        <a:off x="2136775" y="697548"/>
                         <a:ext cx="139700" cy="190500"/>
                       </a:xfrm>
                       <a:prstGeom prst="rect">
@@ -4037,19 +4037,19 @@
           <p:nvPr/>
         </p:nvGraphicFramePr>
         <p:xfrm>
-          <a:off x="2134870" y="849313"/>
-          <a:ext cx="152400" cy="190500"/>
+          <a:off x="2124710" y="886143"/>
+          <a:ext cx="165100" cy="190500"/>
         </p:xfrm>
         <a:graphic>
           <a:graphicData uri="http://schemas.openxmlformats.org/presentationml/2006/ole">
             <mc:AlternateContent xmlns:mc="http://schemas.openxmlformats.org/markup-compatibility/2006">
               <mc:Choice xmlns:v="urn:schemas-microsoft-com:vml" Requires="v">
-                <p:oleObj spid="_x0000_s37" name="" r:id="rId6" imgW="152400" imgH="190500" progId="DSEquations">
+                <p:oleObj spid="_x0000_s37" name="" r:id="rId6" imgW="165100" imgH="190500" progId="DSEquations">
                   <p:embed/>
                 </p:oleObj>
               </mc:Choice>
               <mc:Fallback>
-                <p:oleObj name="" r:id="rId6" imgW="152400" imgH="190500" progId="DSEquations">
+                <p:oleObj name="" r:id="rId6" imgW="165100" imgH="190500" progId="DSEquations">
                   <p:embed/>
                   <p:pic>
                     <p:nvPicPr>
@@ -4065,8 +4065,8 @@
                     </p:blipFill>
                     <p:spPr>
                       <a:xfrm>
-                        <a:off x="2134870" y="849313"/>
-                        <a:ext cx="152400" cy="190500"/>
+                        <a:off x="2124710" y="886143"/>
+                        <a:ext cx="165100" cy="190500"/>
                       </a:xfrm>
                       <a:prstGeom prst="rect">
                         <a:avLst/>
@@ -4667,19 +4667,19 @@
           <p:nvPr/>
         </p:nvGraphicFramePr>
         <p:xfrm>
-          <a:off x="1086485" y="602933"/>
-          <a:ext cx="165100" cy="215900"/>
+          <a:off x="1086485" y="609283"/>
+          <a:ext cx="165100" cy="203200"/>
         </p:xfrm>
         <a:graphic>
           <a:graphicData uri="http://schemas.openxmlformats.org/presentationml/2006/ole">
             <mc:AlternateContent xmlns:mc="http://schemas.openxmlformats.org/markup-compatibility/2006">
               <mc:Choice xmlns:v="urn:schemas-microsoft-com:vml" Requires="v">
-                <p:oleObj spid="_x0000_s56" name="" r:id="rId10" imgW="165100" imgH="215900" progId="DSEquations">
+                <p:oleObj spid="_x0000_s56" name="" r:id="rId10" imgW="165100" imgH="203200" progId="DSEquations">
                   <p:embed/>
                 </p:oleObj>
               </mc:Choice>
               <mc:Fallback>
-                <p:oleObj name="" r:id="rId10" imgW="165100" imgH="215900" progId="DSEquations">
+                <p:oleObj name="" r:id="rId10" imgW="165100" imgH="203200" progId="DSEquations">
                   <p:embed/>
                   <p:pic>
                     <p:nvPicPr>
@@ -4695,8 +4695,8 @@
                     </p:blipFill>
                     <p:spPr>
                       <a:xfrm>
-                        <a:off x="1086485" y="602933"/>
-                        <a:ext cx="165100" cy="215900"/>
+                        <a:off x="1086485" y="609283"/>
+                        <a:ext cx="165100" cy="203200"/>
                       </a:xfrm>
                       <a:prstGeom prst="rect">
                         <a:avLst/>
